--- a/ISPOR2023_Calibration.pptx
+++ b/ISPOR2023_Calibration.pptx
@@ -409,7 +409,7 @@
           <a:p>
             <a:fld id="{80022054-F6B9-B04E-9F80-BE6C2BED9348}" type="datetimeFigureOut">
               <a:rPr lang="en-US" smtClean="0"/>
-              <a:t>7/21/23</a:t>
+              <a:t>7/26/23</a:t>
             </a:fld>
             <a:endParaRPr lang="en-US"/>
           </a:p>
@@ -1868,7 +1868,7 @@
           <a:p>
             <a:fld id="{DD3575FE-2CC2-2845-A91B-203C440E7198}" type="datetimeFigureOut">
               <a:rPr lang="en-US" smtClean="0"/>
-              <a:t>7/21/23</a:t>
+              <a:t>7/26/23</a:t>
             </a:fld>
             <a:endParaRPr lang="en-US"/>
           </a:p>
@@ -2206,7 +2206,7 @@
           <a:p>
             <a:fld id="{DD3575FE-2CC2-2845-A91B-203C440E7198}" type="datetimeFigureOut">
               <a:rPr lang="en-US" smtClean="0"/>
-              <a:t>7/21/23</a:t>
+              <a:t>7/26/23</a:t>
             </a:fld>
             <a:endParaRPr lang="en-US"/>
           </a:p>
@@ -2395,7 +2395,7 @@
           <a:p>
             <a:fld id="{DD3575FE-2CC2-2845-A91B-203C440E7198}" type="datetimeFigureOut">
               <a:rPr lang="en-US" smtClean="0"/>
-              <a:t>7/21/23</a:t>
+              <a:t>7/26/23</a:t>
             </a:fld>
             <a:endParaRPr lang="en-US"/>
           </a:p>
@@ -2590,7 +2590,7 @@
           <a:p>
             <a:fld id="{DD3575FE-2CC2-2845-A91B-203C440E7198}" type="datetimeFigureOut">
               <a:rPr lang="en-US" smtClean="0"/>
-              <a:t>7/21/23</a:t>
+              <a:t>7/26/23</a:t>
             </a:fld>
             <a:endParaRPr lang="en-US"/>
           </a:p>
@@ -2747,7 +2747,7 @@
           <a:p>
             <a:fld id="{DD3575FE-2CC2-2845-A91B-203C440E7198}" type="datetimeFigureOut">
               <a:rPr lang="en-US" smtClean="0"/>
-              <a:t>7/21/23</a:t>
+              <a:t>7/26/23</a:t>
             </a:fld>
             <a:endParaRPr lang="en-US"/>
           </a:p>
@@ -3027,7 +3027,7 @@
           <a:p>
             <a:fld id="{DD3575FE-2CC2-2845-A91B-203C440E7198}" type="datetimeFigureOut">
               <a:rPr lang="en-US" smtClean="0"/>
-              <a:t>7/21/23</a:t>
+              <a:t>7/26/23</a:t>
             </a:fld>
             <a:endParaRPr lang="en-US"/>
           </a:p>
@@ -3996,7 +3996,7 @@
           <a:p>
             <a:fld id="{DD3575FE-2CC2-2845-A91B-203C440E7198}" type="datetimeFigureOut">
               <a:rPr lang="en-US" smtClean="0"/>
-              <a:t>7/21/23</a:t>
+              <a:t>7/26/23</a:t>
             </a:fld>
             <a:endParaRPr lang="en-US"/>
           </a:p>
@@ -4034,7 +4034,7 @@
           <a:noFill/>
           <a:extLst>
             <a:ext uri="{909E8E84-426E-40dd-AFC4-6F175D3DCCD1}">
-              <a14:hiddenFill xmlns="" xmlns:a14="http://schemas.microsoft.com/office/drawing/2010/main">
+              <a14:hiddenFill xmlns:a14="http://schemas.microsoft.com/office/drawing/2010/main" xmlns="">
                 <a:solidFill>
                   <a:srgbClr val="FFFFFF"/>
                 </a:solidFill>
@@ -4075,7 +4075,7 @@
           <a:noFill/>
           <a:extLst>
             <a:ext uri="{909E8E84-426E-40dd-AFC4-6F175D3DCCD1}">
-              <a14:hiddenFill xmlns="" xmlns:a14="http://schemas.microsoft.com/office/drawing/2010/main">
+              <a14:hiddenFill xmlns:a14="http://schemas.microsoft.com/office/drawing/2010/main" xmlns="">
                 <a:solidFill>
                   <a:srgbClr val="FFFFFF"/>
                 </a:solidFill>
@@ -5965,7 +5965,7 @@
           <a:noFill/>
           <a:extLst>
             <a:ext uri="{909E8E84-426E-40dd-AFC4-6F175D3DCCD1}">
-              <a14:hiddenFill xmlns="" xmlns:a14="http://schemas.microsoft.com/office/drawing/2010/main">
+              <a14:hiddenFill xmlns:a14="http://schemas.microsoft.com/office/drawing/2010/main" xmlns="">
                 <a:solidFill>
                   <a:srgbClr val="FFFFFF"/>
                 </a:solidFill>
@@ -6004,7 +6004,7 @@
           <a:noFill/>
           <a:extLst>
             <a:ext uri="{909E8E84-426E-40dd-AFC4-6F175D3DCCD1}">
-              <a14:hiddenFill xmlns="" xmlns:a14="http://schemas.microsoft.com/office/drawing/2010/main">
+              <a14:hiddenFill xmlns:a14="http://schemas.microsoft.com/office/drawing/2010/main" xmlns="">
                 <a:solidFill>
                   <a:srgbClr val="FFFFFF"/>
                 </a:solidFill>
@@ -6099,7 +6099,7 @@
           <a:noFill/>
           <a:extLst>
             <a:ext uri="{909E8E84-426E-40dd-AFC4-6F175D3DCCD1}">
-              <a14:hiddenFill xmlns="" xmlns:a14="http://schemas.microsoft.com/office/drawing/2010/main">
+              <a14:hiddenFill xmlns:a14="http://schemas.microsoft.com/office/drawing/2010/main" xmlns="">
                 <a:solidFill>
                   <a:srgbClr val="FFFFFF"/>
                 </a:solidFill>
@@ -6140,7 +6140,7 @@
           <a:noFill/>
           <a:extLst>
             <a:ext uri="{909E8E84-426E-40dd-AFC4-6F175D3DCCD1}">
-              <a14:hiddenFill xmlns="" xmlns:a14="http://schemas.microsoft.com/office/drawing/2010/main">
+              <a14:hiddenFill xmlns:a14="http://schemas.microsoft.com/office/drawing/2010/main" xmlns="">
                 <a:solidFill>
                   <a:srgbClr val="FFFFFF"/>
                 </a:solidFill>
@@ -6185,14 +6185,14 @@
           <a:effectLst/>
           <a:extLst>
             <a:ext uri="{909E8E84-426E-40dd-AFC4-6F175D3DCCD1}">
-              <a14:hiddenFill xmlns="" xmlns:a14="http://schemas.microsoft.com/office/drawing/2010/main">
+              <a14:hiddenFill xmlns:a14="http://schemas.microsoft.com/office/drawing/2010/main" xmlns="">
                 <a:solidFill>
                   <a:schemeClr val="accent1"/>
                 </a:solidFill>
               </a14:hiddenFill>
             </a:ext>
             <a:ext uri="{91240B29-F687-4f45-9708-019B960494DF}">
-              <a14:hiddenLine xmlns="" xmlns:a14="http://schemas.microsoft.com/office/drawing/2010/main" w="9525">
+              <a14:hiddenLine xmlns:a14="http://schemas.microsoft.com/office/drawing/2010/main" xmlns="" w="9525">
                 <a:solidFill>
                   <a:schemeClr val="tx1"/>
                 </a:solidFill>
@@ -6202,7 +6202,7 @@
               </a14:hiddenLine>
             </a:ext>
             <a:ext uri="{AF507438-7753-43e0-B8FC-AC1667EBCBE1}">
-              <a14:hiddenEffects xmlns="" xmlns:a14="http://schemas.microsoft.com/office/drawing/2010/main">
+              <a14:hiddenEffects xmlns:a14="http://schemas.microsoft.com/office/drawing/2010/main" xmlns="">
                 <a:effectLst>
                   <a:outerShdw dist="35921" dir="2700000" algn="ctr" rotWithShape="0">
                     <a:schemeClr val="bg2"/>
@@ -6249,14 +6249,14 @@
           <a:effectLst/>
           <a:extLst>
             <a:ext uri="{909E8E84-426E-40dd-AFC4-6F175D3DCCD1}">
-              <a14:hiddenFill xmlns="" xmlns:a14="http://schemas.microsoft.com/office/drawing/2010/main">
+              <a14:hiddenFill xmlns:a14="http://schemas.microsoft.com/office/drawing/2010/main" xmlns="">
                 <a:solidFill>
                   <a:schemeClr val="accent1"/>
                 </a:solidFill>
               </a14:hiddenFill>
             </a:ext>
             <a:ext uri="{91240B29-F687-4f45-9708-019B960494DF}">
-              <a14:hiddenLine xmlns="" xmlns:a14="http://schemas.microsoft.com/office/drawing/2010/main" w="9525">
+              <a14:hiddenLine xmlns:a14="http://schemas.microsoft.com/office/drawing/2010/main" xmlns="" w="9525">
                 <a:solidFill>
                   <a:schemeClr val="tx1"/>
                 </a:solidFill>
@@ -6266,7 +6266,7 @@
               </a14:hiddenLine>
             </a:ext>
             <a:ext uri="{AF507438-7753-43e0-B8FC-AC1667EBCBE1}">
-              <a14:hiddenEffects xmlns="" xmlns:a14="http://schemas.microsoft.com/office/drawing/2010/main">
+              <a14:hiddenEffects xmlns:a14="http://schemas.microsoft.com/office/drawing/2010/main" xmlns="">
                 <a:effectLst>
                   <a:outerShdw dist="35921" dir="2700000" algn="ctr" rotWithShape="0">
                     <a:schemeClr val="bg2"/>
@@ -6691,7 +6691,7 @@
           <a:noFill/>
           <a:extLst>
             <a:ext uri="{909E8E84-426E-40dd-AFC4-6F175D3DCCD1}">
-              <a14:hiddenFill xmlns="" xmlns:a14="http://schemas.microsoft.com/office/drawing/2010/main">
+              <a14:hiddenFill xmlns:a14="http://schemas.microsoft.com/office/drawing/2010/main" xmlns="">
                 <a:solidFill>
                   <a:srgbClr val="FFFFFF"/>
                 </a:solidFill>
@@ -6730,7 +6730,7 @@
           <a:noFill/>
           <a:extLst>
             <a:ext uri="{909E8E84-426E-40dd-AFC4-6F175D3DCCD1}">
-              <a14:hiddenFill xmlns="" xmlns:a14="http://schemas.microsoft.com/office/drawing/2010/main">
+              <a14:hiddenFill xmlns:a14="http://schemas.microsoft.com/office/drawing/2010/main" xmlns="">
                 <a:solidFill>
                   <a:srgbClr val="FFFFFF"/>
                 </a:solidFill>
@@ -6952,7 +6952,7 @@
           <a:noFill/>
           <a:extLst>
             <a:ext uri="{909E8E84-426E-40dd-AFC4-6F175D3DCCD1}">
-              <a14:hiddenFill xmlns="" xmlns:a14="http://schemas.microsoft.com/office/drawing/2010/main">
+              <a14:hiddenFill xmlns:a14="http://schemas.microsoft.com/office/drawing/2010/main" xmlns="">
                 <a:solidFill>
                   <a:srgbClr val="FFFFFF"/>
                 </a:solidFill>
@@ -6999,7 +6999,7 @@
           <a:noFill/>
           <a:extLst>
             <a:ext uri="{909E8E84-426E-40dd-AFC4-6F175D3DCCD1}">
-              <a14:hiddenFill xmlns="" xmlns:a14="http://schemas.microsoft.com/office/drawing/2010/main">
+              <a14:hiddenFill xmlns:a14="http://schemas.microsoft.com/office/drawing/2010/main" xmlns="">
                 <a:solidFill>
                   <a:srgbClr val="FFFFFF"/>
                 </a:solidFill>
@@ -7050,14 +7050,14 @@
           <a:effectLst/>
           <a:extLst>
             <a:ext uri="{909E8E84-426E-40dd-AFC4-6F175D3DCCD1}">
-              <a14:hiddenFill xmlns="" xmlns:a14="http://schemas.microsoft.com/office/drawing/2010/main">
+              <a14:hiddenFill xmlns:a14="http://schemas.microsoft.com/office/drawing/2010/main" xmlns="">
                 <a:solidFill>
                   <a:schemeClr val="accent1"/>
                 </a:solidFill>
               </a14:hiddenFill>
             </a:ext>
             <a:ext uri="{91240B29-F687-4f45-9708-019B960494DF}">
-              <a14:hiddenLine xmlns="" xmlns:a14="http://schemas.microsoft.com/office/drawing/2010/main" w="9525">
+              <a14:hiddenLine xmlns:a14="http://schemas.microsoft.com/office/drawing/2010/main" xmlns="" w="9525">
                 <a:solidFill>
                   <a:schemeClr val="tx1"/>
                 </a:solidFill>
@@ -7067,7 +7067,7 @@
               </a14:hiddenLine>
             </a:ext>
             <a:ext uri="{AF507438-7753-43e0-B8FC-AC1667EBCBE1}">
-              <a14:hiddenEffects xmlns="" xmlns:a14="http://schemas.microsoft.com/office/drawing/2010/main">
+              <a14:hiddenEffects xmlns:a14="http://schemas.microsoft.com/office/drawing/2010/main" xmlns="">
                 <a:effectLst>
                   <a:outerShdw dist="35921" dir="2700000" algn="ctr" rotWithShape="0">
                     <a:schemeClr val="bg2"/>
@@ -7120,14 +7120,14 @@
           <a:effectLst/>
           <a:extLst>
             <a:ext uri="{909E8E84-426E-40dd-AFC4-6F175D3DCCD1}">
-              <a14:hiddenFill xmlns="" xmlns:a14="http://schemas.microsoft.com/office/drawing/2010/main">
+              <a14:hiddenFill xmlns:a14="http://schemas.microsoft.com/office/drawing/2010/main" xmlns="">
                 <a:solidFill>
                   <a:schemeClr val="accent1"/>
                 </a:solidFill>
               </a14:hiddenFill>
             </a:ext>
             <a:ext uri="{91240B29-F687-4f45-9708-019B960494DF}">
-              <a14:hiddenLine xmlns="" xmlns:a14="http://schemas.microsoft.com/office/drawing/2010/main" w="9525">
+              <a14:hiddenLine xmlns:a14="http://schemas.microsoft.com/office/drawing/2010/main" xmlns="" w="9525">
                 <a:solidFill>
                   <a:schemeClr val="tx1"/>
                 </a:solidFill>
@@ -7137,7 +7137,7 @@
               </a14:hiddenLine>
             </a:ext>
             <a:ext uri="{AF507438-7753-43e0-B8FC-AC1667EBCBE1}">
-              <a14:hiddenEffects xmlns="" xmlns:a14="http://schemas.microsoft.com/office/drawing/2010/main">
+              <a14:hiddenEffects xmlns:a14="http://schemas.microsoft.com/office/drawing/2010/main" xmlns="">
                 <a:effectLst>
                   <a:outerShdw dist="35921" dir="2700000" algn="ctr" rotWithShape="0">
                     <a:schemeClr val="bg2"/>
@@ -7318,7 +7318,7 @@
           <a:p>
             <a:fld id="{DD3575FE-2CC2-2845-A91B-203C440E7198}" type="datetimeFigureOut">
               <a:rPr lang="en-US" smtClean="0"/>
-              <a:t>7/21/23</a:t>
+              <a:t>7/26/23</a:t>
             </a:fld>
             <a:endParaRPr lang="en-US"/>
           </a:p>
@@ -7580,7 +7580,7 @@
           <a:p>
             <a:fld id="{DD3575FE-2CC2-2845-A91B-203C440E7198}" type="datetimeFigureOut">
               <a:rPr lang="en-US" smtClean="0"/>
-              <a:t>7/21/23</a:t>
+              <a:t>7/26/23</a:t>
             </a:fld>
             <a:endParaRPr lang="en-US"/>
           </a:p>
@@ -7889,7 +7889,7 @@
           <a:p>
             <a:fld id="{DD3575FE-2CC2-2845-A91B-203C440E7198}" type="datetimeFigureOut">
               <a:rPr lang="en-US" smtClean="0"/>
-              <a:t>7/21/23</a:t>
+              <a:t>7/26/23</a:t>
             </a:fld>
             <a:endParaRPr lang="en-US"/>
           </a:p>
@@ -8343,7 +8343,7 @@
           <a:p>
             <a:fld id="{DD3575FE-2CC2-2845-A91B-203C440E7198}" type="datetimeFigureOut">
               <a:rPr lang="en-US" smtClean="0"/>
-              <a:t>7/21/23</a:t>
+              <a:t>7/26/23</a:t>
             </a:fld>
             <a:endParaRPr lang="en-US"/>
           </a:p>
@@ -8482,7 +8482,7 @@
           <a:p>
             <a:fld id="{DD3575FE-2CC2-2845-A91B-203C440E7198}" type="datetimeFigureOut">
               <a:rPr lang="en-US" smtClean="0"/>
-              <a:t>7/21/23</a:t>
+              <a:t>7/26/23</a:t>
             </a:fld>
             <a:endParaRPr lang="en-US"/>
           </a:p>
@@ -8593,7 +8593,7 @@
           <a:p>
             <a:fld id="{DD3575FE-2CC2-2845-A91B-203C440E7198}" type="datetimeFigureOut">
               <a:rPr lang="en-US" smtClean="0"/>
-              <a:t>7/21/23</a:t>
+              <a:t>7/26/23</a:t>
             </a:fld>
             <a:endParaRPr lang="en-US"/>
           </a:p>
@@ -8947,7 +8947,7 @@
           <a:p>
             <a:fld id="{DD3575FE-2CC2-2845-A91B-203C440E7198}" type="datetimeFigureOut">
               <a:rPr lang="en-US" smtClean="0"/>
-              <a:t>7/21/23</a:t>
+              <a:t>7/26/23</a:t>
             </a:fld>
             <a:endParaRPr lang="en-US"/>
           </a:p>
@@ -20110,7 +20110,15 @@
             </a:pPr>
             <a:r>
               <a:rPr lang="en-US" sz="2000" dirty="0"/>
-              <a:t>There are numerous algorithms that implement MCMC, including </a:t>
+              <a:t>There are numerous </a:t>
+            </a:r>
+            <a:r>
+              <a:rPr lang="en-US" sz="2000"/>
+              <a:t>MCMC algorithms, </a:t>
+            </a:r>
+            <a:r>
+              <a:rPr lang="en-US" sz="2000" dirty="0"/>
+              <a:t>including </a:t>
             </a:r>
             <a:r>
               <a:rPr lang="en-US" sz="2000" b="1" dirty="0"/>
@@ -20148,7 +20156,7 @@
             </a:r>
             <a:r>
               <a:rPr lang="en-US" sz="2000" dirty="0"/>
-              <a:t> and JAGS</a:t>
+              <a:t>, JAGS, and Stan</a:t>
             </a:r>
           </a:p>
         </p:txBody>
@@ -24993,17 +25001,6 @@
 </file>
 
 <file path=customXml/item1.xml><?xml version="1.0" encoding="utf-8"?>
-<p:properties xmlns:p="http://schemas.microsoft.com/office/2006/metadata/properties" xmlns:xsi="http://www.w3.org/2001/XMLSchema-instance" xmlns:pc="http://schemas.microsoft.com/office/infopath/2007/PartnerControls">
-  <documentManagement>
-    <TaxCatchAll xmlns="1e4ee373-b002-48a3-8c07-428d4f86ba70" xsi:nil="true"/>
-    <lcf76f155ced4ddcb4097134ff3c332f xmlns="8c82f41a-2b68-46e8-a60b-c15862ce064e">
-      <Terms xmlns="http://schemas.microsoft.com/office/infopath/2007/PartnerControls"/>
-    </lcf76f155ced4ddcb4097134ff3c332f>
-  </documentManagement>
-</p:properties>
-</file>
-
-<file path=customXml/item2.xml><?xml version="1.0" encoding="utf-8"?>
 <?mso-contentType ?>
 <FormTemplates xmlns="http://schemas.microsoft.com/sharepoint/v3/contenttype/forms">
   <Display>DocumentLibraryForm</Display>
@@ -25012,7 +25009,7 @@
 </FormTemplates>
 </file>
 
-<file path=customXml/item3.xml><?xml version="1.0" encoding="utf-8"?>
+<file path=customXml/item2.xml><?xml version="1.0" encoding="utf-8"?>
 <ct:contentTypeSchema xmlns:ct="http://schemas.microsoft.com/office/2006/metadata/contentType" xmlns:ma="http://schemas.microsoft.com/office/2006/metadata/properties/metaAttributes" ct:_="" ma:_="" ma:contentTypeName="Document" ma:contentTypeID="0x0101003BFB4C436BE93140BDFCA347BFB36EC4" ma:contentTypeVersion="16" ma:contentTypeDescription="Create a new document." ma:contentTypeScope="" ma:versionID="e70617a1d8e58781b778c23e179c548e">
   <xsd:schema xmlns:xsd="http://www.w3.org/2001/XMLSchema" xmlns:xs="http://www.w3.org/2001/XMLSchema" xmlns:p="http://schemas.microsoft.com/office/2006/metadata/properties" xmlns:ns2="1e4ee373-b002-48a3-8c07-428d4f86ba70" xmlns:ns3="8c82f41a-2b68-46e8-a60b-c15862ce064e" targetNamespace="http://schemas.microsoft.com/office/2006/metadata/properties" ma:root="true" ma:fieldsID="f37fcafe7f2462efdc9d8ca889ac96e4" ns2:_="" ns3:_="">
     <xsd:import namespace="1e4ee373-b002-48a3-8c07-428d4f86ba70"/>
@@ -25255,18 +25252,18 @@
 </ct:contentTypeSchema>
 </file>
 
-<file path=customXml/itemProps1.xml><?xml version="1.0" encoding="utf-8"?>
-<ds:datastoreItem xmlns:ds="http://schemas.openxmlformats.org/officeDocument/2006/customXml" ds:itemID="{05F243B2-6347-4D8C-884B-9D4C4A590440}">
-  <ds:schemaRefs>
-    <ds:schemaRef ds:uri="http://schemas.microsoft.com/office/2006/metadata/properties"/>
-    <ds:schemaRef ds:uri="http://schemas.microsoft.com/office/infopath/2007/PartnerControls"/>
-    <ds:schemaRef ds:uri="1e4ee373-b002-48a3-8c07-428d4f86ba70"/>
-    <ds:schemaRef ds:uri="8c82f41a-2b68-46e8-a60b-c15862ce064e"/>
-  </ds:schemaRefs>
-</ds:datastoreItem>
+<file path=customXml/item3.xml><?xml version="1.0" encoding="utf-8"?>
+<p:properties xmlns:p="http://schemas.microsoft.com/office/2006/metadata/properties" xmlns:xsi="http://www.w3.org/2001/XMLSchema-instance" xmlns:pc="http://schemas.microsoft.com/office/infopath/2007/PartnerControls">
+  <documentManagement>
+    <TaxCatchAll xmlns="1e4ee373-b002-48a3-8c07-428d4f86ba70" xsi:nil="true"/>
+    <lcf76f155ced4ddcb4097134ff3c332f xmlns="8c82f41a-2b68-46e8-a60b-c15862ce064e">
+      <Terms xmlns="http://schemas.microsoft.com/office/infopath/2007/PartnerControls"/>
+    </lcf76f155ced4ddcb4097134ff3c332f>
+  </documentManagement>
+</p:properties>
 </file>
 
-<file path=customXml/itemProps2.xml><?xml version="1.0" encoding="utf-8"?>
+<file path=customXml/itemProps1.xml><?xml version="1.0" encoding="utf-8"?>
 <ds:datastoreItem xmlns:ds="http://schemas.openxmlformats.org/officeDocument/2006/customXml" ds:itemID="{ACD89099-12E5-4F5F-BFBD-C5BF8BFBA1C6}">
   <ds:schemaRefs>
     <ds:schemaRef ds:uri="http://schemas.microsoft.com/sharepoint/v3/contenttype/forms"/>
@@ -25274,7 +25271,7 @@
 </ds:datastoreItem>
 </file>
 
-<file path=customXml/itemProps3.xml><?xml version="1.0" encoding="utf-8"?>
+<file path=customXml/itemProps2.xml><?xml version="1.0" encoding="utf-8"?>
 <ds:datastoreItem xmlns:ds="http://schemas.openxmlformats.org/officeDocument/2006/customXml" ds:itemID="{D6894393-DEF4-4D49-B05F-9B4F2E2DCD4B}">
   <ds:schemaRefs>
     <ds:schemaRef ds:uri="http://schemas.microsoft.com/office/2006/metadata/contentType"/>
@@ -25291,4 +25288,15 @@
     <ds:schemaRef ds:uri="http://schemas.microsoft.com/internal/obd"/>
   </ds:schemaRefs>
 </ds:datastoreItem>
+</file>
+
+<file path=customXml/itemProps3.xml><?xml version="1.0" encoding="utf-8"?>
+<ds:datastoreItem xmlns:ds="http://schemas.openxmlformats.org/officeDocument/2006/customXml" ds:itemID="{05F243B2-6347-4D8C-884B-9D4C4A590440}">
+  <ds:schemaRefs>
+    <ds:schemaRef ds:uri="http://schemas.microsoft.com/office/2006/metadata/properties"/>
+    <ds:schemaRef ds:uri="http://schemas.microsoft.com/office/infopath/2007/PartnerControls"/>
+    <ds:schemaRef ds:uri="1e4ee373-b002-48a3-8c07-428d4f86ba70"/>
+    <ds:schemaRef ds:uri="8c82f41a-2b68-46e8-a60b-c15862ce064e"/>
+  </ds:schemaRefs>
+</ds:datastoreItem>
 </file>
--- a/ISPOR2023_Calibration.pptx
+++ b/ISPOR2023_Calibration.pptx
@@ -4034,7 +4034,7 @@
           <a:noFill/>
           <a:extLst>
             <a:ext uri="{909E8E84-426E-40dd-AFC4-6F175D3DCCD1}">
-              <a14:hiddenFill xmlns:a14="http://schemas.microsoft.com/office/drawing/2010/main" xmlns="">
+              <a14:hiddenFill xmlns="" xmlns:a14="http://schemas.microsoft.com/office/drawing/2010/main">
                 <a:solidFill>
                   <a:srgbClr val="FFFFFF"/>
                 </a:solidFill>
@@ -4075,7 +4075,7 @@
           <a:noFill/>
           <a:extLst>
             <a:ext uri="{909E8E84-426E-40dd-AFC4-6F175D3DCCD1}">
-              <a14:hiddenFill xmlns:a14="http://schemas.microsoft.com/office/drawing/2010/main" xmlns="">
+              <a14:hiddenFill xmlns="" xmlns:a14="http://schemas.microsoft.com/office/drawing/2010/main">
                 <a:solidFill>
                   <a:srgbClr val="FFFFFF"/>
                 </a:solidFill>
@@ -5468,7 +5468,7 @@
           <p:nvPr>
             <p:extLst>
               <p:ext uri="{D42A27DB-BD31-4B8C-83A1-F6EECF244321}">
-                <p14:modId xmlns:p14="http://schemas.microsoft.com/office/powerpoint/2010/main" val="3607574760"/>
+                <p14:modId xmlns:p14="http://schemas.microsoft.com/office/powerpoint/2010/main" val="1168333370"/>
               </p:ext>
             </p:extLst>
           </p:nvPr>
@@ -5757,7 +5757,7 @@
                           <a:ea typeface="+mn-ea"/>
                           <a:cs typeface="+mn-cs"/>
                         </a:rPr>
-                        <a:t>1 Division of Public Administration, Center for Research and Teaching in Economics (CIDE), </a:t>
+                        <a:t>1Department of Health Policy, School of Medicine, and Stanford Health Policy, Freeman-Spogli</a:t>
                       </a:r>
                     </a:p>
                     <a:p>
@@ -5771,7 +5771,7 @@
                           <a:ea typeface="+mn-ea"/>
                           <a:cs typeface="+mn-cs"/>
                         </a:rPr>
-                        <a:t>  Aguascalientes, Mexico</a:t>
+                        <a:t>  Institute for International Studies, Stanford University, Stanford, California, USA</a:t>
                       </a:r>
                     </a:p>
                     <a:p>
@@ -5841,7 +5841,7 @@
                           <a:ea typeface="+mn-ea"/>
                           <a:cs typeface="+mn-cs"/>
                         </a:rPr>
-                        <a:t>6 The Hospital for Sick Children, Toronto and University of Toronto, Toronto ON, Canada</a:t>
+                        <a:t>6 The Hospital for Sick Children, Toronto and the University of Toronto, Toronto, ON, Canada</a:t>
                       </a:r>
                     </a:p>
                     <a:p>
@@ -5965,7 +5965,7 @@
           <a:noFill/>
           <a:extLst>
             <a:ext uri="{909E8E84-426E-40dd-AFC4-6F175D3DCCD1}">
-              <a14:hiddenFill xmlns:a14="http://schemas.microsoft.com/office/drawing/2010/main" xmlns="">
+              <a14:hiddenFill xmlns="" xmlns:a14="http://schemas.microsoft.com/office/drawing/2010/main">
                 <a:solidFill>
                   <a:srgbClr val="FFFFFF"/>
                 </a:solidFill>
@@ -6004,7 +6004,7 @@
           <a:noFill/>
           <a:extLst>
             <a:ext uri="{909E8E84-426E-40dd-AFC4-6F175D3DCCD1}">
-              <a14:hiddenFill xmlns:a14="http://schemas.microsoft.com/office/drawing/2010/main" xmlns="">
+              <a14:hiddenFill xmlns="" xmlns:a14="http://schemas.microsoft.com/office/drawing/2010/main">
                 <a:solidFill>
                   <a:srgbClr val="FFFFFF"/>
                 </a:solidFill>
@@ -6099,7 +6099,7 @@
           <a:noFill/>
           <a:extLst>
             <a:ext uri="{909E8E84-426E-40dd-AFC4-6F175D3DCCD1}">
-              <a14:hiddenFill xmlns:a14="http://schemas.microsoft.com/office/drawing/2010/main" xmlns="">
+              <a14:hiddenFill xmlns="" xmlns:a14="http://schemas.microsoft.com/office/drawing/2010/main">
                 <a:solidFill>
                   <a:srgbClr val="FFFFFF"/>
                 </a:solidFill>
@@ -6140,7 +6140,7 @@
           <a:noFill/>
           <a:extLst>
             <a:ext uri="{909E8E84-426E-40dd-AFC4-6F175D3DCCD1}">
-              <a14:hiddenFill xmlns:a14="http://schemas.microsoft.com/office/drawing/2010/main" xmlns="">
+              <a14:hiddenFill xmlns="" xmlns:a14="http://schemas.microsoft.com/office/drawing/2010/main">
                 <a:solidFill>
                   <a:srgbClr val="FFFFFF"/>
                 </a:solidFill>
@@ -6172,7 +6172,7 @@
         </p:blipFill>
         <p:spPr bwMode="auto">
           <a:xfrm>
-            <a:off x="4602633" y="5306390"/>
+            <a:off x="4702023" y="5306390"/>
             <a:ext cx="1728193" cy="384359"/>
           </a:xfrm>
           <a:prstGeom prst="rect">
@@ -6185,14 +6185,14 @@
           <a:effectLst/>
           <a:extLst>
             <a:ext uri="{909E8E84-426E-40dd-AFC4-6F175D3DCCD1}">
-              <a14:hiddenFill xmlns:a14="http://schemas.microsoft.com/office/drawing/2010/main" xmlns="">
+              <a14:hiddenFill xmlns="" xmlns:a14="http://schemas.microsoft.com/office/drawing/2010/main">
                 <a:solidFill>
                   <a:schemeClr val="accent1"/>
                 </a:solidFill>
               </a14:hiddenFill>
             </a:ext>
             <a:ext uri="{91240B29-F687-4f45-9708-019B960494DF}">
-              <a14:hiddenLine xmlns:a14="http://schemas.microsoft.com/office/drawing/2010/main" xmlns="" w="9525">
+              <a14:hiddenLine xmlns="" xmlns:a14="http://schemas.microsoft.com/office/drawing/2010/main" w="9525">
                 <a:solidFill>
                   <a:schemeClr val="tx1"/>
                 </a:solidFill>
@@ -6202,7 +6202,7 @@
               </a14:hiddenLine>
             </a:ext>
             <a:ext uri="{AF507438-7753-43e0-B8FC-AC1667EBCBE1}">
-              <a14:hiddenEffects xmlns:a14="http://schemas.microsoft.com/office/drawing/2010/main" xmlns="">
+              <a14:hiddenEffects xmlns="" xmlns:a14="http://schemas.microsoft.com/office/drawing/2010/main">
                 <a:effectLst>
                   <a:outerShdw dist="35921" dir="2700000" algn="ctr" rotWithShape="0">
                     <a:schemeClr val="bg2"/>
@@ -6236,7 +6236,7 @@
         </p:blipFill>
         <p:spPr bwMode="auto">
           <a:xfrm>
-            <a:off x="1581979" y="5306115"/>
+            <a:off x="1893769" y="5282137"/>
             <a:ext cx="2688000" cy="415711"/>
           </a:xfrm>
           <a:prstGeom prst="rect">
@@ -6249,14 +6249,14 @@
           <a:effectLst/>
           <a:extLst>
             <a:ext uri="{909E8E84-426E-40dd-AFC4-6F175D3DCCD1}">
-              <a14:hiddenFill xmlns:a14="http://schemas.microsoft.com/office/drawing/2010/main" xmlns="">
+              <a14:hiddenFill xmlns="" xmlns:a14="http://schemas.microsoft.com/office/drawing/2010/main">
                 <a:solidFill>
                   <a:schemeClr val="accent1"/>
                 </a:solidFill>
               </a14:hiddenFill>
             </a:ext>
             <a:ext uri="{91240B29-F687-4f45-9708-019B960494DF}">
-              <a14:hiddenLine xmlns:a14="http://schemas.microsoft.com/office/drawing/2010/main" xmlns="" w="9525">
+              <a14:hiddenLine xmlns="" xmlns:a14="http://schemas.microsoft.com/office/drawing/2010/main" w="9525">
                 <a:solidFill>
                   <a:schemeClr val="tx1"/>
                 </a:solidFill>
@@ -6266,7 +6266,7 @@
               </a14:hiddenLine>
             </a:ext>
             <a:ext uri="{AF507438-7753-43e0-B8FC-AC1667EBCBE1}">
-              <a14:hiddenEffects xmlns:a14="http://schemas.microsoft.com/office/drawing/2010/main" xmlns="">
+              <a14:hiddenEffects xmlns="" xmlns:a14="http://schemas.microsoft.com/office/drawing/2010/main">
                 <a:effectLst>
                   <a:outerShdw dist="35921" dir="2700000" algn="ctr" rotWithShape="0">
                     <a:schemeClr val="bg2"/>
@@ -6355,17 +6355,17 @@
       </p:sp>
       <p:pic>
         <p:nvPicPr>
-          <p:cNvPr id="8" name="Picture 7">
+          <p:cNvPr id="11" name="Picture 10" descr="A black background with red text&#10;&#10;Description automatically generated">
             <a:extLst>
               <a:ext uri="{FF2B5EF4-FFF2-40B4-BE49-F238E27FC236}">
-                <a16:creationId xmlns:a16="http://schemas.microsoft.com/office/drawing/2014/main" id="{1F4A33E6-5765-144B-BB9E-E9B85276960B}"/>
+                <a16:creationId xmlns:a16="http://schemas.microsoft.com/office/drawing/2014/main" id="{CBA8F8D9-D679-DEAC-7840-3F460EAC99E6}"/>
               </a:ext>
             </a:extLst>
           </p:cNvPr>
           <p:cNvPicPr>
             <a:picLocks noChangeAspect="1"/>
           </p:cNvPicPr>
-          <p:nvPr/>
+          <p:nvPr userDrawn="1"/>
         </p:nvPicPr>
         <p:blipFill>
           <a:blip r:embed="rId6"/>
@@ -6375,8 +6375,8 @@
         </p:blipFill>
         <p:spPr>
           <a:xfrm>
-            <a:off x="322243" y="4980651"/>
-            <a:ext cx="948267" cy="901700"/>
+            <a:off x="-3500" y="5058191"/>
+            <a:ext cx="2016996" cy="880755"/>
           </a:xfrm>
           <a:prstGeom prst="rect">
             <a:avLst/>
@@ -6691,7 +6691,7 @@
           <a:noFill/>
           <a:extLst>
             <a:ext uri="{909E8E84-426E-40dd-AFC4-6F175D3DCCD1}">
-              <a14:hiddenFill xmlns:a14="http://schemas.microsoft.com/office/drawing/2010/main" xmlns="">
+              <a14:hiddenFill xmlns="" xmlns:a14="http://schemas.microsoft.com/office/drawing/2010/main">
                 <a:solidFill>
                   <a:srgbClr val="FFFFFF"/>
                 </a:solidFill>
@@ -6730,7 +6730,7 @@
           <a:noFill/>
           <a:extLst>
             <a:ext uri="{909E8E84-426E-40dd-AFC4-6F175D3DCCD1}">
-              <a14:hiddenFill xmlns:a14="http://schemas.microsoft.com/office/drawing/2010/main" xmlns="">
+              <a14:hiddenFill xmlns="" xmlns:a14="http://schemas.microsoft.com/office/drawing/2010/main">
                 <a:solidFill>
                   <a:srgbClr val="FFFFFF"/>
                 </a:solidFill>
@@ -6952,7 +6952,7 @@
           <a:noFill/>
           <a:extLst>
             <a:ext uri="{909E8E84-426E-40dd-AFC4-6F175D3DCCD1}">
-              <a14:hiddenFill xmlns:a14="http://schemas.microsoft.com/office/drawing/2010/main" xmlns="">
+              <a14:hiddenFill xmlns="" xmlns:a14="http://schemas.microsoft.com/office/drawing/2010/main">
                 <a:solidFill>
                   <a:srgbClr val="FFFFFF"/>
                 </a:solidFill>
@@ -6999,7 +6999,7 @@
           <a:noFill/>
           <a:extLst>
             <a:ext uri="{909E8E84-426E-40dd-AFC4-6F175D3DCCD1}">
-              <a14:hiddenFill xmlns:a14="http://schemas.microsoft.com/office/drawing/2010/main" xmlns="">
+              <a14:hiddenFill xmlns="" xmlns:a14="http://schemas.microsoft.com/office/drawing/2010/main">
                 <a:solidFill>
                   <a:srgbClr val="FFFFFF"/>
                 </a:solidFill>
@@ -7050,14 +7050,14 @@
           <a:effectLst/>
           <a:extLst>
             <a:ext uri="{909E8E84-426E-40dd-AFC4-6F175D3DCCD1}">
-              <a14:hiddenFill xmlns:a14="http://schemas.microsoft.com/office/drawing/2010/main" xmlns="">
+              <a14:hiddenFill xmlns="" xmlns:a14="http://schemas.microsoft.com/office/drawing/2010/main">
                 <a:solidFill>
                   <a:schemeClr val="accent1"/>
                 </a:solidFill>
               </a14:hiddenFill>
             </a:ext>
             <a:ext uri="{91240B29-F687-4f45-9708-019B960494DF}">
-              <a14:hiddenLine xmlns:a14="http://schemas.microsoft.com/office/drawing/2010/main" xmlns="" w="9525">
+              <a14:hiddenLine xmlns="" xmlns:a14="http://schemas.microsoft.com/office/drawing/2010/main" w="9525">
                 <a:solidFill>
                   <a:schemeClr val="tx1"/>
                 </a:solidFill>
@@ -7067,7 +7067,7 @@
               </a14:hiddenLine>
             </a:ext>
             <a:ext uri="{AF507438-7753-43e0-B8FC-AC1667EBCBE1}">
-              <a14:hiddenEffects xmlns:a14="http://schemas.microsoft.com/office/drawing/2010/main" xmlns="">
+              <a14:hiddenEffects xmlns="" xmlns:a14="http://schemas.microsoft.com/office/drawing/2010/main">
                 <a:effectLst>
                   <a:outerShdw dist="35921" dir="2700000" algn="ctr" rotWithShape="0">
                     <a:schemeClr val="bg2"/>
@@ -7120,14 +7120,14 @@
           <a:effectLst/>
           <a:extLst>
             <a:ext uri="{909E8E84-426E-40dd-AFC4-6F175D3DCCD1}">
-              <a14:hiddenFill xmlns:a14="http://schemas.microsoft.com/office/drawing/2010/main" xmlns="">
+              <a14:hiddenFill xmlns="" xmlns:a14="http://schemas.microsoft.com/office/drawing/2010/main">
                 <a:solidFill>
                   <a:schemeClr val="accent1"/>
                 </a:solidFill>
               </a14:hiddenFill>
             </a:ext>
             <a:ext uri="{91240B29-F687-4f45-9708-019B960494DF}">
-              <a14:hiddenLine xmlns:a14="http://schemas.microsoft.com/office/drawing/2010/main" xmlns="" w="9525">
+              <a14:hiddenLine xmlns="" xmlns:a14="http://schemas.microsoft.com/office/drawing/2010/main" w="9525">
                 <a:solidFill>
                   <a:schemeClr val="tx1"/>
                 </a:solidFill>
@@ -7137,7 +7137,7 @@
               </a14:hiddenLine>
             </a:ext>
             <a:ext uri="{AF507438-7753-43e0-B8FC-AC1667EBCBE1}">
-              <a14:hiddenEffects xmlns:a14="http://schemas.microsoft.com/office/drawing/2010/main" xmlns="">
+              <a14:hiddenEffects xmlns="" xmlns:a14="http://schemas.microsoft.com/office/drawing/2010/main">
                 <a:effectLst>
                   <a:outerShdw dist="35921" dir="2700000" algn="ctr" rotWithShape="0">
                     <a:schemeClr val="bg2"/>
@@ -25001,15 +25001,6 @@
 </file>
 
 <file path=customXml/item1.xml><?xml version="1.0" encoding="utf-8"?>
-<?mso-contentType ?>
-<FormTemplates xmlns="http://schemas.microsoft.com/sharepoint/v3/contenttype/forms">
-  <Display>DocumentLibraryForm</Display>
-  <Edit>DocumentLibraryForm</Edit>
-  <New>DocumentLibraryForm</New>
-</FormTemplates>
-</file>
-
-<file path=customXml/item2.xml><?xml version="1.0" encoding="utf-8"?>
 <ct:contentTypeSchema xmlns:ct="http://schemas.microsoft.com/office/2006/metadata/contentType" xmlns:ma="http://schemas.microsoft.com/office/2006/metadata/properties/metaAttributes" ct:_="" ma:_="" ma:contentTypeName="Document" ma:contentTypeID="0x0101003BFB4C436BE93140BDFCA347BFB36EC4" ma:contentTypeVersion="16" ma:contentTypeDescription="Create a new document." ma:contentTypeScope="" ma:versionID="e70617a1d8e58781b778c23e179c548e">
   <xsd:schema xmlns:xsd="http://www.w3.org/2001/XMLSchema" xmlns:xs="http://www.w3.org/2001/XMLSchema" xmlns:p="http://schemas.microsoft.com/office/2006/metadata/properties" xmlns:ns2="1e4ee373-b002-48a3-8c07-428d4f86ba70" xmlns:ns3="8c82f41a-2b68-46e8-a60b-c15862ce064e" targetNamespace="http://schemas.microsoft.com/office/2006/metadata/properties" ma:root="true" ma:fieldsID="f37fcafe7f2462efdc9d8ca889ac96e4" ns2:_="" ns3:_="">
     <xsd:import namespace="1e4ee373-b002-48a3-8c07-428d4f86ba70"/>
@@ -25252,7 +25243,7 @@
 </ct:contentTypeSchema>
 </file>
 
-<file path=customXml/item3.xml><?xml version="1.0" encoding="utf-8"?>
+<file path=customXml/item2.xml><?xml version="1.0" encoding="utf-8"?>
 <p:properties xmlns:p="http://schemas.microsoft.com/office/2006/metadata/properties" xmlns:xsi="http://www.w3.org/2001/XMLSchema-instance" xmlns:pc="http://schemas.microsoft.com/office/infopath/2007/PartnerControls">
   <documentManagement>
     <TaxCatchAll xmlns="1e4ee373-b002-48a3-8c07-428d4f86ba70" xsi:nil="true"/>
@@ -25263,15 +25254,16 @@
 </p:properties>
 </file>
 
-<file path=customXml/itemProps1.xml><?xml version="1.0" encoding="utf-8"?>
-<ds:datastoreItem xmlns:ds="http://schemas.openxmlformats.org/officeDocument/2006/customXml" ds:itemID="{ACD89099-12E5-4F5F-BFBD-C5BF8BFBA1C6}">
-  <ds:schemaRefs>
-    <ds:schemaRef ds:uri="http://schemas.microsoft.com/sharepoint/v3/contenttype/forms"/>
-  </ds:schemaRefs>
-</ds:datastoreItem>
+<file path=customXml/item3.xml><?xml version="1.0" encoding="utf-8"?>
+<?mso-contentType ?>
+<FormTemplates xmlns="http://schemas.microsoft.com/sharepoint/v3/contenttype/forms">
+  <Display>DocumentLibraryForm</Display>
+  <Edit>DocumentLibraryForm</Edit>
+  <New>DocumentLibraryForm</New>
+</FormTemplates>
 </file>
 
-<file path=customXml/itemProps2.xml><?xml version="1.0" encoding="utf-8"?>
+<file path=customXml/itemProps1.xml><?xml version="1.0" encoding="utf-8"?>
 <ds:datastoreItem xmlns:ds="http://schemas.openxmlformats.org/officeDocument/2006/customXml" ds:itemID="{D6894393-DEF4-4D49-B05F-9B4F2E2DCD4B}">
   <ds:schemaRefs>
     <ds:schemaRef ds:uri="http://schemas.microsoft.com/office/2006/metadata/contentType"/>
@@ -25290,7 +25282,7 @@
 </ds:datastoreItem>
 </file>
 
-<file path=customXml/itemProps3.xml><?xml version="1.0" encoding="utf-8"?>
+<file path=customXml/itemProps2.xml><?xml version="1.0" encoding="utf-8"?>
 <ds:datastoreItem xmlns:ds="http://schemas.openxmlformats.org/officeDocument/2006/customXml" ds:itemID="{05F243B2-6347-4D8C-884B-9D4C4A590440}">
   <ds:schemaRefs>
     <ds:schemaRef ds:uri="http://schemas.microsoft.com/office/2006/metadata/properties"/>
@@ -25299,4 +25291,12 @@
     <ds:schemaRef ds:uri="8c82f41a-2b68-46e8-a60b-c15862ce064e"/>
   </ds:schemaRefs>
 </ds:datastoreItem>
+</file>
+
+<file path=customXml/itemProps3.xml><?xml version="1.0" encoding="utf-8"?>
+<ds:datastoreItem xmlns:ds="http://schemas.openxmlformats.org/officeDocument/2006/customXml" ds:itemID="{ACD89099-12E5-4F5F-BFBD-C5BF8BFBA1C6}">
+  <ds:schemaRefs>
+    <ds:schemaRef ds:uri="http://schemas.microsoft.com/sharepoint/v3/contenttype/forms"/>
+  </ds:schemaRefs>
+</ds:datastoreItem>
 </file>
--- a/ISPOR2023_Calibration.pptx
+++ b/ISPOR2023_Calibration.pptx
@@ -4034,7 +4034,7 @@
           <a:noFill/>
           <a:extLst>
             <a:ext uri="{909E8E84-426E-40dd-AFC4-6F175D3DCCD1}">
-              <a14:hiddenFill xmlns="" xmlns:a14="http://schemas.microsoft.com/office/drawing/2010/main">
+              <a14:hiddenFill xmlns:a14="http://schemas.microsoft.com/office/drawing/2010/main" xmlns="">
                 <a:solidFill>
                   <a:srgbClr val="FFFFFF"/>
                 </a:solidFill>
@@ -4075,7 +4075,7 @@
           <a:noFill/>
           <a:extLst>
             <a:ext uri="{909E8E84-426E-40dd-AFC4-6F175D3DCCD1}">
-              <a14:hiddenFill xmlns="" xmlns:a14="http://schemas.microsoft.com/office/drawing/2010/main">
+              <a14:hiddenFill xmlns:a14="http://schemas.microsoft.com/office/drawing/2010/main" xmlns="">
                 <a:solidFill>
                   <a:srgbClr val="FFFFFF"/>
                 </a:solidFill>
@@ -5965,7 +5965,7 @@
           <a:noFill/>
           <a:extLst>
             <a:ext uri="{909E8E84-426E-40dd-AFC4-6F175D3DCCD1}">
-              <a14:hiddenFill xmlns="" xmlns:a14="http://schemas.microsoft.com/office/drawing/2010/main">
+              <a14:hiddenFill xmlns:a14="http://schemas.microsoft.com/office/drawing/2010/main" xmlns="">
                 <a:solidFill>
                   <a:srgbClr val="FFFFFF"/>
                 </a:solidFill>
@@ -6004,7 +6004,7 @@
           <a:noFill/>
           <a:extLst>
             <a:ext uri="{909E8E84-426E-40dd-AFC4-6F175D3DCCD1}">
-              <a14:hiddenFill xmlns="" xmlns:a14="http://schemas.microsoft.com/office/drawing/2010/main">
+              <a14:hiddenFill xmlns:a14="http://schemas.microsoft.com/office/drawing/2010/main" xmlns="">
                 <a:solidFill>
                   <a:srgbClr val="FFFFFF"/>
                 </a:solidFill>
@@ -6099,7 +6099,7 @@
           <a:noFill/>
           <a:extLst>
             <a:ext uri="{909E8E84-426E-40dd-AFC4-6F175D3DCCD1}">
-              <a14:hiddenFill xmlns="" xmlns:a14="http://schemas.microsoft.com/office/drawing/2010/main">
+              <a14:hiddenFill xmlns:a14="http://schemas.microsoft.com/office/drawing/2010/main" xmlns="">
                 <a:solidFill>
                   <a:srgbClr val="FFFFFF"/>
                 </a:solidFill>
@@ -6140,7 +6140,7 @@
           <a:noFill/>
           <a:extLst>
             <a:ext uri="{909E8E84-426E-40dd-AFC4-6F175D3DCCD1}">
-              <a14:hiddenFill xmlns="" xmlns:a14="http://schemas.microsoft.com/office/drawing/2010/main">
+              <a14:hiddenFill xmlns:a14="http://schemas.microsoft.com/office/drawing/2010/main" xmlns="">
                 <a:solidFill>
                   <a:srgbClr val="FFFFFF"/>
                 </a:solidFill>
@@ -6185,14 +6185,14 @@
           <a:effectLst/>
           <a:extLst>
             <a:ext uri="{909E8E84-426E-40dd-AFC4-6F175D3DCCD1}">
-              <a14:hiddenFill xmlns="" xmlns:a14="http://schemas.microsoft.com/office/drawing/2010/main">
+              <a14:hiddenFill xmlns:a14="http://schemas.microsoft.com/office/drawing/2010/main" xmlns="">
                 <a:solidFill>
                   <a:schemeClr val="accent1"/>
                 </a:solidFill>
               </a14:hiddenFill>
             </a:ext>
             <a:ext uri="{91240B29-F687-4f45-9708-019B960494DF}">
-              <a14:hiddenLine xmlns="" xmlns:a14="http://schemas.microsoft.com/office/drawing/2010/main" w="9525">
+              <a14:hiddenLine xmlns:a14="http://schemas.microsoft.com/office/drawing/2010/main" xmlns="" w="9525">
                 <a:solidFill>
                   <a:schemeClr val="tx1"/>
                 </a:solidFill>
@@ -6202,7 +6202,7 @@
               </a14:hiddenLine>
             </a:ext>
             <a:ext uri="{AF507438-7753-43e0-B8FC-AC1667EBCBE1}">
-              <a14:hiddenEffects xmlns="" xmlns:a14="http://schemas.microsoft.com/office/drawing/2010/main">
+              <a14:hiddenEffects xmlns:a14="http://schemas.microsoft.com/office/drawing/2010/main" xmlns="">
                 <a:effectLst>
                   <a:outerShdw dist="35921" dir="2700000" algn="ctr" rotWithShape="0">
                     <a:schemeClr val="bg2"/>
@@ -6249,14 +6249,14 @@
           <a:effectLst/>
           <a:extLst>
             <a:ext uri="{909E8E84-426E-40dd-AFC4-6F175D3DCCD1}">
-              <a14:hiddenFill xmlns="" xmlns:a14="http://schemas.microsoft.com/office/drawing/2010/main">
+              <a14:hiddenFill xmlns:a14="http://schemas.microsoft.com/office/drawing/2010/main" xmlns="">
                 <a:solidFill>
                   <a:schemeClr val="accent1"/>
                 </a:solidFill>
               </a14:hiddenFill>
             </a:ext>
             <a:ext uri="{91240B29-F687-4f45-9708-019B960494DF}">
-              <a14:hiddenLine xmlns="" xmlns:a14="http://schemas.microsoft.com/office/drawing/2010/main" w="9525">
+              <a14:hiddenLine xmlns:a14="http://schemas.microsoft.com/office/drawing/2010/main" xmlns="" w="9525">
                 <a:solidFill>
                   <a:schemeClr val="tx1"/>
                 </a:solidFill>
@@ -6266,7 +6266,7 @@
               </a14:hiddenLine>
             </a:ext>
             <a:ext uri="{AF507438-7753-43e0-B8FC-AC1667EBCBE1}">
-              <a14:hiddenEffects xmlns="" xmlns:a14="http://schemas.microsoft.com/office/drawing/2010/main">
+              <a14:hiddenEffects xmlns:a14="http://schemas.microsoft.com/office/drawing/2010/main" xmlns="">
                 <a:effectLst>
                   <a:outerShdw dist="35921" dir="2700000" algn="ctr" rotWithShape="0">
                     <a:schemeClr val="bg2"/>
@@ -6691,7 +6691,7 @@
           <a:noFill/>
           <a:extLst>
             <a:ext uri="{909E8E84-426E-40dd-AFC4-6F175D3DCCD1}">
-              <a14:hiddenFill xmlns="" xmlns:a14="http://schemas.microsoft.com/office/drawing/2010/main">
+              <a14:hiddenFill xmlns:a14="http://schemas.microsoft.com/office/drawing/2010/main" xmlns="">
                 <a:solidFill>
                   <a:srgbClr val="FFFFFF"/>
                 </a:solidFill>
@@ -6730,7 +6730,7 @@
           <a:noFill/>
           <a:extLst>
             <a:ext uri="{909E8E84-426E-40dd-AFC4-6F175D3DCCD1}">
-              <a14:hiddenFill xmlns="" xmlns:a14="http://schemas.microsoft.com/office/drawing/2010/main">
+              <a14:hiddenFill xmlns:a14="http://schemas.microsoft.com/office/drawing/2010/main" xmlns="">
                 <a:solidFill>
                   <a:srgbClr val="FFFFFF"/>
                 </a:solidFill>
@@ -6952,7 +6952,7 @@
           <a:noFill/>
           <a:extLst>
             <a:ext uri="{909E8E84-426E-40dd-AFC4-6F175D3DCCD1}">
-              <a14:hiddenFill xmlns="" xmlns:a14="http://schemas.microsoft.com/office/drawing/2010/main">
+              <a14:hiddenFill xmlns:a14="http://schemas.microsoft.com/office/drawing/2010/main" xmlns="">
                 <a:solidFill>
                   <a:srgbClr val="FFFFFF"/>
                 </a:solidFill>
@@ -6999,7 +6999,7 @@
           <a:noFill/>
           <a:extLst>
             <a:ext uri="{909E8E84-426E-40dd-AFC4-6F175D3DCCD1}">
-              <a14:hiddenFill xmlns="" xmlns:a14="http://schemas.microsoft.com/office/drawing/2010/main">
+              <a14:hiddenFill xmlns:a14="http://schemas.microsoft.com/office/drawing/2010/main" xmlns="">
                 <a:solidFill>
                   <a:srgbClr val="FFFFFF"/>
                 </a:solidFill>
@@ -7050,14 +7050,14 @@
           <a:effectLst/>
           <a:extLst>
             <a:ext uri="{909E8E84-426E-40dd-AFC4-6F175D3DCCD1}">
-              <a14:hiddenFill xmlns="" xmlns:a14="http://schemas.microsoft.com/office/drawing/2010/main">
+              <a14:hiddenFill xmlns:a14="http://schemas.microsoft.com/office/drawing/2010/main" xmlns="">
                 <a:solidFill>
                   <a:schemeClr val="accent1"/>
                 </a:solidFill>
               </a14:hiddenFill>
             </a:ext>
             <a:ext uri="{91240B29-F687-4f45-9708-019B960494DF}">
-              <a14:hiddenLine xmlns="" xmlns:a14="http://schemas.microsoft.com/office/drawing/2010/main" w="9525">
+              <a14:hiddenLine xmlns:a14="http://schemas.microsoft.com/office/drawing/2010/main" xmlns="" w="9525">
                 <a:solidFill>
                   <a:schemeClr val="tx1"/>
                 </a:solidFill>
@@ -7067,7 +7067,7 @@
               </a14:hiddenLine>
             </a:ext>
             <a:ext uri="{AF507438-7753-43e0-B8FC-AC1667EBCBE1}">
-              <a14:hiddenEffects xmlns="" xmlns:a14="http://schemas.microsoft.com/office/drawing/2010/main">
+              <a14:hiddenEffects xmlns:a14="http://schemas.microsoft.com/office/drawing/2010/main" xmlns="">
                 <a:effectLst>
                   <a:outerShdw dist="35921" dir="2700000" algn="ctr" rotWithShape="0">
                     <a:schemeClr val="bg2"/>
@@ -7120,14 +7120,14 @@
           <a:effectLst/>
           <a:extLst>
             <a:ext uri="{909E8E84-426E-40dd-AFC4-6F175D3DCCD1}">
-              <a14:hiddenFill xmlns="" xmlns:a14="http://schemas.microsoft.com/office/drawing/2010/main">
+              <a14:hiddenFill xmlns:a14="http://schemas.microsoft.com/office/drawing/2010/main" xmlns="">
                 <a:solidFill>
                   <a:schemeClr val="accent1"/>
                 </a:solidFill>
               </a14:hiddenFill>
             </a:ext>
             <a:ext uri="{91240B29-F687-4f45-9708-019B960494DF}">
-              <a14:hiddenLine xmlns="" xmlns:a14="http://schemas.microsoft.com/office/drawing/2010/main" w="9525">
+              <a14:hiddenLine xmlns:a14="http://schemas.microsoft.com/office/drawing/2010/main" xmlns="" w="9525">
                 <a:solidFill>
                   <a:schemeClr val="tx1"/>
                 </a:solidFill>
@@ -7137,7 +7137,7 @@
               </a14:hiddenLine>
             </a:ext>
             <a:ext uri="{AF507438-7753-43e0-B8FC-AC1667EBCBE1}">
-              <a14:hiddenEffects xmlns="" xmlns:a14="http://schemas.microsoft.com/office/drawing/2010/main">
+              <a14:hiddenEffects xmlns:a14="http://schemas.microsoft.com/office/drawing/2010/main" xmlns="">
                 <a:effectLst>
                   <a:outerShdw dist="35921" dir="2700000" algn="ctr" rotWithShape="0">
                     <a:schemeClr val="bg2"/>
@@ -20071,15 +20071,15 @@
               </a:spcBef>
             </a:pPr>
             <a:r>
-              <a:rPr lang="en-US" sz="2000" dirty="0"/>
+              <a:rPr lang="en-US" sz="2400" dirty="0"/>
               <a:t>Simulates posterior distribution by </a:t>
             </a:r>
             <a:r>
-              <a:rPr lang="en-US" sz="2000" b="1" dirty="0"/>
+              <a:rPr lang="en-US" sz="2400" b="1" dirty="0"/>
               <a:t>jumping </a:t>
             </a:r>
             <a:r>
-              <a:rPr lang="en-US" sz="2000" dirty="0"/>
+              <a:rPr lang="en-US" sz="2400" dirty="0"/>
               <a:t>in the parameter space in a Markovian fashion </a:t>
             </a:r>
           </a:p>
@@ -20090,15 +20090,15 @@
               </a:spcBef>
             </a:pPr>
             <a:r>
-              <a:rPr lang="en-US" sz="2000" dirty="0"/>
+              <a:rPr lang="en-US" sz="2400" dirty="0"/>
               <a:t>The transition matrix of the Markov chain is proposed using a </a:t>
             </a:r>
             <a:r>
-              <a:rPr lang="en-US" sz="2000" b="1" dirty="0"/>
+              <a:rPr lang="en-US" sz="2400" b="1" dirty="0"/>
               <a:t>proposal distribution</a:t>
             </a:r>
             <a:r>
-              <a:rPr lang="en-US" sz="2000" dirty="0"/>
+              <a:rPr lang="en-US" sz="2400" dirty="0"/>
               <a:t> </a:t>
             </a:r>
           </a:p>
@@ -20109,23 +20109,15 @@
               </a:spcBef>
             </a:pPr>
             <a:r>
-              <a:rPr lang="en-US" sz="2000" dirty="0"/>
-              <a:t>There are numerous </a:t>
-            </a:r>
-            <a:r>
-              <a:rPr lang="en-US" sz="2000"/>
-              <a:t>MCMC algorithms, </a:t>
-            </a:r>
-            <a:r>
-              <a:rPr lang="en-US" sz="2000" dirty="0"/>
-              <a:t>including </a:t>
-            </a:r>
-            <a:r>
-              <a:rPr lang="en-US" sz="2000" b="1" dirty="0"/>
+              <a:rPr lang="en-US" sz="2400" dirty="0"/>
+              <a:t>There are numerous MCMC algorithms, including </a:t>
+            </a:r>
+            <a:r>
+              <a:rPr lang="en-US" sz="2400" b="1" dirty="0"/>
               <a:t>Metropolis-Hastings </a:t>
             </a:r>
             <a:r>
-              <a:rPr lang="en-US" sz="2000" dirty="0"/>
+              <a:rPr lang="en-US" sz="2400" dirty="0"/>
               <a:t>(MH) </a:t>
             </a:r>
           </a:p>
@@ -20136,7 +20128,7 @@
               </a:spcBef>
             </a:pPr>
             <a:r>
-              <a:rPr lang="en-US" sz="2000" dirty="0"/>
+              <a:rPr lang="en-US" sz="2400" dirty="0"/>
               <a:t>R has some packages that implement MCMC algorithms</a:t>
             </a:r>
           </a:p>
@@ -20147,15 +20139,15 @@
               </a:spcBef>
             </a:pPr>
             <a:r>
-              <a:rPr lang="en-US" sz="2000" dirty="0"/>
+              <a:rPr lang="en-US" sz="2400" dirty="0"/>
               <a:t>Other R packages interface with external MCMC software, including </a:t>
             </a:r>
             <a:r>
-              <a:rPr lang="en-US" sz="2000" dirty="0" err="1"/>
+              <a:rPr lang="en-US" sz="2400" dirty="0" err="1"/>
               <a:t>WinBUGS</a:t>
             </a:r>
             <a:r>
-              <a:rPr lang="en-US" sz="2000" dirty="0"/>
+              <a:rPr lang="en-US" sz="2400" dirty="0"/>
               <a:t>, JAGS, and Stan</a:t>
             </a:r>
           </a:p>
@@ -20209,7 +20201,7 @@
         </p:nvSpPr>
         <p:spPr>
           <a:xfrm>
-            <a:off x="2364432" y="274638"/>
+            <a:off x="1120576" y="274638"/>
             <a:ext cx="8132746" cy="1143000"/>
           </a:xfrm>
         </p:spPr>
@@ -20218,10 +20210,9 @@
           <a:lstStyle/>
           <a:p>
             <a:r>
-              <a:rPr lang="en-US" sz="3200"/>
+              <a:rPr lang="en-US" sz="3200" dirty="0"/>
               <a:t>Markov chain Monte Carlo (MCMC) </a:t>
             </a:r>
-            <a:endParaRPr lang="en-US" sz="3200" dirty="0"/>
           </a:p>
         </p:txBody>
       </p:sp>
@@ -20249,57 +20240,57 @@
           <a:lstStyle/>
           <a:p>
             <a:r>
-              <a:rPr lang="en-US" sz="1900" b="1" dirty="0"/>
+              <a:rPr lang="en-US" sz="2400" b="1" dirty="0"/>
               <a:t>Pros: </a:t>
             </a:r>
-            <a:endParaRPr lang="en-US" sz="1900" dirty="0"/>
+            <a:endParaRPr lang="en-US" sz="2400" dirty="0"/>
           </a:p>
           <a:p>
             <a:pPr lvl="1"/>
             <a:r>
-              <a:rPr lang="en-US" sz="1900" dirty="0"/>
+              <a:rPr lang="en-US" sz="2400" dirty="0"/>
               <a:t>Theoretically will eventually converge to the “true” posterior distribution </a:t>
             </a:r>
           </a:p>
           <a:p>
-            <a:endParaRPr lang="en-US" sz="1900" b="1" dirty="0"/>
-          </a:p>
-          <a:p>
-            <a:r>
-              <a:rPr lang="en-US" sz="1900" b="1" dirty="0"/>
+            <a:endParaRPr lang="en-US" sz="2400" b="1" dirty="0"/>
+          </a:p>
+          <a:p>
+            <a:r>
+              <a:rPr lang="en-US" sz="2400" b="1" dirty="0"/>
               <a:t>Cons:</a:t>
             </a:r>
             <a:r>
-              <a:rPr lang="en-US" sz="1900" dirty="0"/>
+              <a:rPr lang="en-US" sz="2400" dirty="0"/>
               <a:t> </a:t>
             </a:r>
           </a:p>
           <a:p>
             <a:pPr lvl="1"/>
             <a:r>
-              <a:rPr lang="en-US" sz="1900" dirty="0"/>
+              <a:rPr lang="en-US" sz="2400" dirty="0"/>
               <a:t>Computationally intensive </a:t>
             </a:r>
           </a:p>
           <a:p>
             <a:pPr lvl="1"/>
             <a:r>
-              <a:rPr lang="en-US" sz="1900" dirty="0"/>
+              <a:rPr lang="en-US" sz="2400" dirty="0"/>
               <a:t>Autocorrelation is a problem with simulation models and therefore requires a high number of samples </a:t>
             </a:r>
           </a:p>
           <a:p>
             <a:pPr lvl="1"/>
             <a:r>
-              <a:rPr lang="en-US" sz="1900" dirty="0"/>
+              <a:rPr lang="en-US" sz="2400" dirty="0"/>
               <a:t>Use of external software (</a:t>
             </a:r>
             <a:r>
-              <a:rPr lang="en-US" sz="1900" dirty="0" err="1"/>
+              <a:rPr lang="en-US" sz="2400" dirty="0" err="1"/>
               <a:t>WinBUGS</a:t>
             </a:r>
             <a:r>
-              <a:rPr lang="en-US" sz="1900" dirty="0"/>
+              <a:rPr lang="en-US" sz="2400" dirty="0"/>
               <a:t>, JAGS), requires implementing the model within that software’s syntax</a:t>
             </a:r>
           </a:p>
@@ -20368,8 +20359,8 @@
           </a:p>
         </p:txBody>
       </p:sp>
-      <mc:AlternateContent xmlns:mc="http://schemas.openxmlformats.org/markup-compatibility/2006" xmlns:a14="http://schemas.microsoft.com/office/drawing/2010/main">
-        <mc:Choice Requires="a14">
+      <mc:AlternateContent xmlns:mc="http://schemas.openxmlformats.org/markup-compatibility/2006">
+        <mc:Choice xmlns:a14="http://schemas.microsoft.com/office/drawing/2010/main" Requires="a14">
           <p:sp>
             <p:nvSpPr>
               <p:cNvPr id="3" name="Content Placeholder 2">
@@ -20418,17 +20409,17 @@
                   <a:buAutoNum type="arabicPeriod"/>
                 </a:pPr>
                 <a:r>
-                  <a:rPr lang="en-US" sz="1800" b="1" dirty="0"/>
+                  <a:rPr lang="en-US" sz="2000" b="1" dirty="0"/>
                   <a:t>Sampling: </a:t>
                 </a:r>
                 <a:r>
-                  <a:rPr lang="en-US" sz="1800" dirty="0"/>
+                  <a:rPr lang="en-US" sz="2000" dirty="0"/>
                   <a:t>Sample a large number, </a:t>
                 </a:r>
                 <a14:m>
                   <m:oMath xmlns:m="http://schemas.openxmlformats.org/officeDocument/2006/math">
                     <m:r>
-                      <a:rPr lang="es-ES" sz="1800" i="1">
+                      <a:rPr lang="es-ES" sz="2000" i="1">
                         <a:latin typeface="Cambria Math" panose="02040503050406030204" pitchFamily="18" charset="0"/>
                       </a:rPr>
                       <m:t>𝑁</m:t>
@@ -20436,10 +20427,10 @@
                   </m:oMath>
                 </a14:m>
                 <a:r>
-                  <a:rPr lang="en-US" sz="1800" dirty="0"/>
+                  <a:rPr lang="en-US" sz="2000" dirty="0"/>
                   <a:t>, of parameter sets from prior distributions</a:t>
                 </a:r>
-                <a:endParaRPr lang="en-US" sz="1800" b="1" dirty="0"/>
+                <a:endParaRPr lang="en-US" sz="2000" b="1" dirty="0"/>
               </a:p>
               <a:p>
                 <a:pPr marL="571500" indent="-457200">
@@ -20447,7 +20438,7 @@
                   <a:buAutoNum type="arabicPeriod"/>
                 </a:pPr>
                 <a:r>
-                  <a:rPr lang="en-US" sz="1800" b="1" dirty="0"/>
+                  <a:rPr lang="en-US" sz="2000" b="1" dirty="0"/>
                   <a:t>Importance: </a:t>
                 </a:r>
               </a:p>
@@ -20457,7 +20448,7 @@
                   <a:buAutoNum type="arabicPeriod"/>
                 </a:pPr>
                 <a:r>
-                  <a:rPr lang="en-US" sz="1800" dirty="0"/>
+                  <a:rPr lang="en-US" dirty="0"/>
                   <a:t>For each parameter set </a:t>
                 </a:r>
                 <a14:m>
@@ -20465,14 +20456,14 @@
                     <m:sSub>
                       <m:sSubPr>
                         <m:ctrlPr>
-                          <a:rPr lang="es-ES" sz="1800" i="1">
+                          <a:rPr lang="es-ES" i="1">
                             <a:latin typeface="Cambria Math" panose="02040503050406030204" pitchFamily="18" charset="0"/>
                           </a:rPr>
                         </m:ctrlPr>
                       </m:sSubPr>
                       <m:e>
                         <m:r>
-                          <a:rPr lang="es-ES" sz="1800" i="1">
+                          <a:rPr lang="es-ES" i="1">
                             <a:latin typeface="Cambria Math" panose="02040503050406030204" pitchFamily="18" charset="0"/>
                           </a:rPr>
                           <m:t>𝜃</m:t>
@@ -20480,7 +20471,7 @@
                       </m:e>
                       <m:sub>
                         <m:r>
-                          <a:rPr lang="es-ES" sz="1800" i="1">
+                          <a:rPr lang="es-ES" i="1">
                             <a:latin typeface="Cambria Math" panose="02040503050406030204" pitchFamily="18" charset="0"/>
                           </a:rPr>
                           <m:t>𝑖</m:t>
@@ -20490,7 +20481,7 @@
                   </m:oMath>
                 </a14:m>
                 <a:r>
-                  <a:rPr lang="en-US" sz="1800" dirty="0"/>
+                  <a:rPr lang="en-US" dirty="0"/>
                   <a:t> </a:t>
                 </a:r>
                 <a14:m>
@@ -20498,26 +20489,26 @@
                     <m:d>
                       <m:dPr>
                         <m:ctrlPr>
-                          <a:rPr lang="es-ES" sz="1800" i="1">
+                          <a:rPr lang="es-ES" i="1">
                             <a:latin typeface="Cambria Math" panose="02040503050406030204" pitchFamily="18" charset="0"/>
                           </a:rPr>
                         </m:ctrlPr>
                       </m:dPr>
                       <m:e>
                         <m:r>
-                          <a:rPr lang="es-ES" sz="1800" i="1">
+                          <a:rPr lang="es-ES" i="1">
                             <a:latin typeface="Cambria Math" panose="02040503050406030204" pitchFamily="18" charset="0"/>
                           </a:rPr>
                           <m:t>𝑖</m:t>
                         </m:r>
                         <m:r>
-                          <a:rPr lang="es-ES" sz="1800" i="1">
+                          <a:rPr lang="es-ES" i="1">
                             <a:latin typeface="Cambria Math" panose="02040503050406030204" pitchFamily="18" charset="0"/>
                           </a:rPr>
                           <m:t>=1,…,</m:t>
                         </m:r>
                         <m:r>
-                          <a:rPr lang="es-ES" sz="1800" i="1">
+                          <a:rPr lang="es-ES" i="1">
                             <a:latin typeface="Cambria Math" panose="02040503050406030204" pitchFamily="18" charset="0"/>
                           </a:rPr>
                           <m:t>𝑁</m:t>
@@ -20527,10 +20518,10 @@
                   </m:oMath>
                 </a14:m>
                 <a:r>
-                  <a:rPr lang="en-US" sz="1800" dirty="0"/>
+                  <a:rPr lang="en-US" dirty="0"/>
                   <a:t>, run the simulation model and compute the likelihood</a:t>
                 </a:r>
-                <a:endParaRPr lang="en-US" sz="1800" b="1" dirty="0"/>
+                <a:endParaRPr lang="en-US" b="1" dirty="0"/>
               </a:p>
               <a:p>
                 <a:pPr marL="868680" lvl="1" indent="-457200">
@@ -20538,7 +20529,7 @@
                   <a:buAutoNum type="arabicPeriod"/>
                 </a:pPr>
                 <a:r>
-                  <a:rPr lang="en-US" sz="1800" dirty="0"/>
+                  <a:rPr lang="en-US" dirty="0"/>
                   <a:t>Compute the (normalized) sampling importance weights </a:t>
                 </a:r>
                 <a14:m>
@@ -20546,14 +20537,14 @@
                     <m:sSub>
                       <m:sSubPr>
                         <m:ctrlPr>
-                          <a:rPr lang="es-ES" sz="1800" i="1">
+                          <a:rPr lang="es-ES" i="1">
                             <a:latin typeface="Cambria Math" panose="02040503050406030204" pitchFamily="18" charset="0"/>
                           </a:rPr>
                         </m:ctrlPr>
                       </m:sSubPr>
                       <m:e>
                         <m:r>
-                          <a:rPr lang="es-ES" sz="1800" i="1">
+                          <a:rPr lang="es-ES" i="1">
                             <a:latin typeface="Cambria Math" panose="02040503050406030204" pitchFamily="18" charset="0"/>
                           </a:rPr>
                           <m:t>𝑤</m:t>
@@ -20561,7 +20552,7 @@
                       </m:e>
                       <m:sub>
                         <m:r>
-                          <a:rPr lang="es-ES" sz="1800" i="1">
+                          <a:rPr lang="es-ES" i="1">
                             <a:latin typeface="Cambria Math" panose="02040503050406030204" pitchFamily="18" charset="0"/>
                           </a:rPr>
                           <m:t>𝑖</m:t>
@@ -20571,11 +20562,11 @@
                   </m:oMath>
                 </a14:m>
                 <a:r>
-                  <a:rPr lang="en-US" sz="1800" i="1" dirty="0"/>
+                  <a:rPr lang="en-US" i="1" dirty="0"/>
                   <a:t> </a:t>
                 </a:r>
                 <a:r>
-                  <a:rPr lang="en-US" sz="1800" dirty="0"/>
+                  <a:rPr lang="en-US" dirty="0"/>
                   <a:t>for each parameter set </a:t>
                 </a:r>
                 <a14:m>
@@ -20583,14 +20574,14 @@
                     <m:sSub>
                       <m:sSubPr>
                         <m:ctrlPr>
-                          <a:rPr lang="es-ES" sz="1800" i="1">
+                          <a:rPr lang="es-ES" i="1">
                             <a:latin typeface="Cambria Math" panose="02040503050406030204" pitchFamily="18" charset="0"/>
                           </a:rPr>
                         </m:ctrlPr>
                       </m:sSubPr>
                       <m:e>
                         <m:r>
-                          <a:rPr lang="es-ES" sz="1800" i="1">
+                          <a:rPr lang="es-ES" i="1">
                             <a:latin typeface="Cambria Math" panose="02040503050406030204" pitchFamily="18" charset="0"/>
                           </a:rPr>
                           <m:t>𝜃</m:t>
@@ -20598,7 +20589,7 @@
                       </m:e>
                       <m:sub>
                         <m:r>
-                          <a:rPr lang="es-ES" sz="1800" i="1">
+                          <a:rPr lang="es-ES" i="1">
                             <a:latin typeface="Cambria Math" panose="02040503050406030204" pitchFamily="18" charset="0"/>
                           </a:rPr>
                           <m:t>𝑖</m:t>
@@ -20608,7 +20599,7 @@
                   </m:oMath>
                 </a14:m>
                 <a:r>
-                  <a:rPr lang="en-US" sz="1800" dirty="0"/>
+                  <a:rPr lang="en-US" dirty="0"/>
                   <a:t> by dividing its likelihood value by the sum of likelihood values of all parameter sets,</a:t>
                 </a:r>
               </a:p>
@@ -20628,14 +20619,14 @@
                       <m:sSub>
                         <m:sSubPr>
                           <m:ctrlPr>
-                            <a:rPr lang="es-ES" sz="1800" i="1">
+                            <a:rPr lang="es-ES" i="1">
                               <a:latin typeface="Cambria Math" panose="02040503050406030204" pitchFamily="18" charset="0"/>
                             </a:rPr>
                           </m:ctrlPr>
                         </m:sSubPr>
                         <m:e>
                           <m:r>
-                            <a:rPr lang="es-ES" sz="1800" i="1">
+                            <a:rPr lang="es-ES" i="1">
                               <a:latin typeface="Cambria Math" panose="02040503050406030204" pitchFamily="18" charset="0"/>
                             </a:rPr>
                             <m:t>𝑤</m:t>
@@ -20643,7 +20634,7 @@
                         </m:e>
                         <m:sub>
                           <m:r>
-                            <a:rPr lang="es-ES" sz="1800" i="1">
+                            <a:rPr lang="es-ES" i="1">
                               <a:latin typeface="Cambria Math" panose="02040503050406030204" pitchFamily="18" charset="0"/>
                             </a:rPr>
                             <m:t>𝑖</m:t>
@@ -20651,7 +20642,7 @@
                         </m:sub>
                       </m:sSub>
                       <m:r>
-                        <a:rPr lang="es-ES" sz="1800" i="1">
+                        <a:rPr lang="es-ES" i="1">
                           <a:latin typeface="Cambria Math" panose="02040503050406030204" pitchFamily="18" charset="0"/>
                         </a:rPr>
                         <m:t>=</m:t>
@@ -20659,7 +20650,7 @@
                       <m:f>
                         <m:fPr>
                           <m:ctrlPr>
-                            <a:rPr lang="es-ES" sz="1800" i="1">
+                            <a:rPr lang="es-ES" i="1">
                               <a:latin typeface="Cambria Math" panose="02040503050406030204" pitchFamily="18" charset="0"/>
                             </a:rPr>
                           </m:ctrlPr>
@@ -20668,14 +20659,14 @@
                           <m:sSub>
                             <m:sSubPr>
                               <m:ctrlPr>
-                                <a:rPr lang="es-ES" sz="1800" i="1">
+                                <a:rPr lang="es-ES" i="1">
                                   <a:latin typeface="Cambria Math" panose="02040503050406030204" pitchFamily="18" charset="0"/>
                                 </a:rPr>
                               </m:ctrlPr>
                             </m:sSubPr>
                             <m:e>
                               <m:r>
-                                <a:rPr lang="es-ES" sz="1800" i="1">
+                                <a:rPr lang="es-ES" i="1">
                                   <a:latin typeface="Cambria Math" panose="02040503050406030204" pitchFamily="18" charset="0"/>
                                 </a:rPr>
                                 <m:t>𝐿</m:t>
@@ -20683,7 +20674,7 @@
                             </m:e>
                             <m:sub>
                               <m:r>
-                                <a:rPr lang="es-ES" sz="1800" i="1">
+                                <a:rPr lang="es-ES" i="1">
                                   <a:latin typeface="Cambria Math" panose="02040503050406030204" pitchFamily="18" charset="0"/>
                                 </a:rPr>
                                 <m:t>𝑖</m:t>
@@ -20696,7 +20687,7 @@
                             <m:naryPr>
                               <m:chr m:val="∑"/>
                               <m:ctrlPr>
-                                <a:rPr lang="es-ES" sz="1800" i="1">
+                                <a:rPr lang="es-ES" i="1">
                                   <a:latin typeface="Cambria Math" panose="02040503050406030204" pitchFamily="18" charset="0"/>
                                 </a:rPr>
                               </m:ctrlPr>
@@ -20706,13 +20697,13 @@
                                 <m:rPr>
                                   <m:brk m:alnAt="23"/>
                                 </m:rPr>
-                                <a:rPr lang="es-ES" sz="1800" i="1">
+                                <a:rPr lang="es-ES" i="1">
                                   <a:latin typeface="Cambria Math" panose="02040503050406030204" pitchFamily="18" charset="0"/>
                                 </a:rPr>
                                 <m:t>𝑖</m:t>
                               </m:r>
                               <m:r>
-                                <a:rPr lang="es-ES" sz="1800" i="1">
+                                <a:rPr lang="es-ES" i="1">
                                   <a:latin typeface="Cambria Math" panose="02040503050406030204" pitchFamily="18" charset="0"/>
                                 </a:rPr>
                                 <m:t>=1</m:t>
@@ -20720,7 +20711,7 @@
                             </m:sub>
                             <m:sup>
                               <m:r>
-                                <a:rPr lang="es-ES" sz="1800" i="1">
+                                <a:rPr lang="es-ES" i="1">
                                   <a:latin typeface="Cambria Math" panose="02040503050406030204" pitchFamily="18" charset="0"/>
                                 </a:rPr>
                                 <m:t>𝑁</m:t>
@@ -20730,14 +20721,14 @@
                               <m:sSub>
                                 <m:sSubPr>
                                   <m:ctrlPr>
-                                    <a:rPr lang="es-ES" sz="1800" i="1">
+                                    <a:rPr lang="es-ES" i="1">
                                       <a:latin typeface="Cambria Math" panose="02040503050406030204" pitchFamily="18" charset="0"/>
                                     </a:rPr>
                                   </m:ctrlPr>
                                 </m:sSubPr>
                                 <m:e>
                                   <m:r>
-                                    <a:rPr lang="es-ES" sz="1800" i="1">
+                                    <a:rPr lang="es-ES" i="1">
                                       <a:latin typeface="Cambria Math" panose="02040503050406030204" pitchFamily="18" charset="0"/>
                                     </a:rPr>
                                     <m:t>𝐿</m:t>
@@ -20745,7 +20736,7 @@
                                 </m:e>
                                 <m:sub>
                                   <m:r>
-                                    <a:rPr lang="es-ES" sz="1800" i="1">
+                                    <a:rPr lang="es-ES" i="1">
                                       <a:latin typeface="Cambria Math" panose="02040503050406030204" pitchFamily="18" charset="0"/>
                                     </a:rPr>
                                     <m:t>𝑖</m:t>
@@ -20759,7 +20750,7 @@
                     </m:oMath>
                   </m:oMathPara>
                 </a14:m>
-                <a:endParaRPr lang="en-US" sz="1800" dirty="0"/>
+                <a:endParaRPr lang="en-US" dirty="0"/>
               </a:p>
               <a:p>
                 <a:pPr marL="457200" indent="-342900">
@@ -20767,11 +20758,11 @@
                   <a:buAutoNum type="arabicPeriod"/>
                 </a:pPr>
                 <a:r>
-                  <a:rPr lang="en-US" sz="1800" b="1" dirty="0"/>
+                  <a:rPr lang="en-US" sz="2000" b="1" dirty="0"/>
                   <a:t>Resampling: </a:t>
                 </a:r>
                 <a:r>
-                  <a:rPr lang="en-US" sz="1800" dirty="0"/>
+                  <a:rPr lang="en-US" sz="2000" dirty="0"/>
                   <a:t>Sample from the discrete distribution of </a:t>
                 </a:r>
                 <a14:m>
@@ -20781,14 +20772,14 @@
                         <m:begChr m:val="{"/>
                         <m:endChr m:val="}"/>
                         <m:ctrlPr>
-                          <a:rPr lang="es-ES" sz="1800" i="1">
+                          <a:rPr lang="es-ES" sz="2000" i="1">
                             <a:latin typeface="Cambria Math" panose="02040503050406030204" pitchFamily="18" charset="0"/>
                           </a:rPr>
                         </m:ctrlPr>
                       </m:dPr>
                       <m:e>
                         <m:r>
-                          <a:rPr lang="es-ES" sz="1800" i="1">
+                          <a:rPr lang="es-ES" sz="2000" i="1">
                             <a:latin typeface="Cambria Math" panose="02040503050406030204" pitchFamily="18" charset="0"/>
                           </a:rPr>
                           <m:t>𝜃</m:t>
@@ -20796,14 +20787,14 @@
                         <m:d>
                           <m:dPr>
                             <m:ctrlPr>
-                              <a:rPr lang="es-ES" sz="1800" i="1">
+                              <a:rPr lang="es-ES" sz="2000" i="1">
                                 <a:latin typeface="Cambria Math" panose="02040503050406030204" pitchFamily="18" charset="0"/>
                               </a:rPr>
                             </m:ctrlPr>
                           </m:dPr>
                           <m:e>
                             <m:r>
-                              <a:rPr lang="es-ES" sz="1800" i="1">
+                              <a:rPr lang="es-ES" sz="2000" i="1">
                                 <a:latin typeface="Cambria Math" panose="02040503050406030204" pitchFamily="18" charset="0"/>
                               </a:rPr>
                               <m:t>1</m:t>
@@ -20811,13 +20802,13 @@
                           </m:e>
                         </m:d>
                         <m:r>
-                          <a:rPr lang="es-ES" sz="1800" i="1">
+                          <a:rPr lang="es-ES" sz="2000" i="1">
                             <a:latin typeface="Cambria Math" panose="02040503050406030204" pitchFamily="18" charset="0"/>
                           </a:rPr>
                           <m:t>, …</m:t>
                         </m:r>
                         <m:r>
-                          <a:rPr lang="es-ES" sz="1800" i="1">
+                          <a:rPr lang="es-ES" sz="2000" i="1">
                             <a:latin typeface="Cambria Math" panose="02040503050406030204" pitchFamily="18" charset="0"/>
                           </a:rPr>
                           <m:t>𝜃</m:t>
@@ -20825,14 +20816,14 @@
                         <m:d>
                           <m:dPr>
                             <m:ctrlPr>
-                              <a:rPr lang="es-ES" sz="1800" i="1">
+                              <a:rPr lang="es-ES" sz="2000" i="1">
                                 <a:latin typeface="Cambria Math" panose="02040503050406030204" pitchFamily="18" charset="0"/>
                               </a:rPr>
                             </m:ctrlPr>
                           </m:dPr>
                           <m:e>
                             <m:r>
-                              <a:rPr lang="es-ES" sz="1800" i="1">
+                              <a:rPr lang="es-ES" sz="2000" i="1">
                                 <a:latin typeface="Cambria Math" panose="02040503050406030204" pitchFamily="18" charset="0"/>
                               </a:rPr>
                               <m:t>𝑁</m:t>
@@ -20842,7 +20833,7 @@
                       </m:e>
                     </m:d>
                     <m:r>
-                      <a:rPr lang="es-ES" sz="1800" i="1">
+                      <a:rPr lang="es-ES" sz="2000" i="1">
                         <a:latin typeface="Cambria Math" panose="02040503050406030204" pitchFamily="18" charset="0"/>
                       </a:rPr>
                       <m:t> </m:t>
@@ -20850,7 +20841,7 @@
                   </m:oMath>
                 </a14:m>
                 <a:r>
-                  <a:rPr lang="en-US" sz="1800" dirty="0"/>
+                  <a:rPr lang="en-US" sz="2000" dirty="0"/>
                   <a:t>with probabilities </a:t>
                 </a:r>
                 <a14:m>
@@ -20858,14 +20849,14 @@
                     <m:sSub>
                       <m:sSubPr>
                         <m:ctrlPr>
-                          <a:rPr lang="es-ES" sz="1800" i="1">
+                          <a:rPr lang="es-ES" sz="2000" i="1">
                             <a:latin typeface="Cambria Math" panose="02040503050406030204" pitchFamily="18" charset="0"/>
                           </a:rPr>
                         </m:ctrlPr>
                       </m:sSubPr>
                       <m:e>
                         <m:r>
-                          <a:rPr lang="es-ES" sz="1800" i="1">
+                          <a:rPr lang="es-ES" sz="2000" i="1">
                             <a:latin typeface="Cambria Math" panose="02040503050406030204" pitchFamily="18" charset="0"/>
                           </a:rPr>
                           <m:t>𝑤</m:t>
@@ -20873,7 +20864,7 @@
                       </m:e>
                       <m:sub>
                         <m:r>
-                          <a:rPr lang="es-ES" sz="1800" i="1">
+                          <a:rPr lang="es-ES" sz="2000" i="1">
                             <a:latin typeface="Cambria Math" panose="02040503050406030204" pitchFamily="18" charset="0"/>
                           </a:rPr>
                           <m:t>𝑖</m:t>
@@ -20882,7 +20873,7 @@
                     </m:sSub>
                   </m:oMath>
                 </a14:m>
-                <a:endParaRPr lang="en-US" sz="1800" dirty="0"/>
+                <a:endParaRPr lang="en-US" sz="2000" dirty="0"/>
               </a:p>
               <a:p>
                 <a:pPr marL="571500" indent="-457200">
@@ -20892,12 +20883,12 @@
                   <a:buFont typeface="+mj-lt"/>
                   <a:buAutoNum type="arabicPeriod"/>
                 </a:pPr>
-                <a:endParaRPr lang="en-US" sz="1900" dirty="0"/>
+                <a:endParaRPr lang="en-US" sz="2000" dirty="0"/>
               </a:p>
             </p:txBody>
           </p:sp>
         </mc:Choice>
-        <mc:Fallback xmlns="">
+        <mc:Fallback>
           <p:sp>
             <p:nvSpPr>
               <p:cNvPr id="3" name="Content Placeholder 2">
@@ -21028,7 +21019,7 @@
         </p:spPr>
         <p:txBody>
           <a:bodyPr>
-            <a:normAutofit/>
+            <a:normAutofit fontScale="92500" lnSpcReduction="10000"/>
           </a:bodyPr>
           <a:lstStyle/>
           <a:p>
@@ -21038,7 +21029,7 @@
               </a:spcAft>
             </a:pPr>
             <a:r>
-              <a:rPr lang="en-US" sz="2000" dirty="0"/>
+              <a:rPr lang="en-US" sz="2400" dirty="0"/>
               <a:t>SIR can miss areas of high posterior probability as the number of parameter increases</a:t>
             </a:r>
           </a:p>
@@ -21049,7 +21040,7 @@
               </a:spcAft>
             </a:pPr>
             <a:r>
-              <a:rPr lang="en-US" sz="2000" dirty="0"/>
+              <a:rPr lang="en-US" sz="2400" dirty="0"/>
               <a:t>IMIS addresses limitations of SIR and was proposed by Steele at al. (2006) </a:t>
             </a:r>
           </a:p>
@@ -21060,7 +21051,7 @@
               </a:spcAft>
             </a:pPr>
             <a:r>
-              <a:rPr lang="en-US" sz="2000" dirty="0"/>
+              <a:rPr lang="en-US" sz="2400" dirty="0"/>
               <a:t>Starts with a modest-size SIR</a:t>
             </a:r>
           </a:p>
@@ -21071,7 +21062,7 @@
               </a:spcAft>
             </a:pPr>
             <a:r>
-              <a:rPr lang="en-US" sz="2000" dirty="0"/>
+              <a:rPr lang="en-US" sz="2400" dirty="0"/>
               <a:t>But in addition to SIR samples, add in samples from a multivariate normal distribution centered at the point with the highest importance weight</a:t>
             </a:r>
           </a:p>
@@ -21082,7 +21073,7 @@
               </a:spcAft>
             </a:pPr>
             <a:r>
-              <a:rPr lang="en-US" sz="2000" dirty="0"/>
+              <a:rPr lang="en-US" sz="2400" dirty="0"/>
               <a:t>Recalculate importance weights and sample a new sample of input parameter sets</a:t>
             </a:r>
           </a:p>
@@ -21093,19 +21084,9 @@
               </a:spcAft>
             </a:pPr>
             <a:r>
-              <a:rPr lang="en-US" sz="2000" dirty="0"/>
+              <a:rPr lang="en-US" sz="2400" dirty="0"/>
               <a:t>At the end, posterior becomes a mixture of multivariate normal distributions and of the prior distribution</a:t>
             </a:r>
-          </a:p>
-          <a:p>
-            <a:pPr marL="571500" indent="-457200">
-              <a:spcAft>
-                <a:spcPts val="1200"/>
-              </a:spcAft>
-              <a:buFont typeface="+mj-lt"/>
-              <a:buAutoNum type="arabicPeriod"/>
-            </a:pPr>
-            <a:endParaRPr lang="en-US" sz="2000" dirty="0"/>
           </a:p>
         </p:txBody>
       </p:sp>
@@ -22223,7 +22204,7 @@
           <a:lstStyle/>
           <a:p>
             <a:r>
-              <a:rPr lang="en-US" dirty="0">
+              <a:rPr lang="en-US" sz="2400" dirty="0">
                 <a:latin typeface="Courier New" charset="0"/>
                 <a:cs typeface="Courier New" charset="0"/>
               </a:rPr>
@@ -22253,96 +22234,96 @@
             </a:r>
           </a:p>
           <a:p>
-            <a:endParaRPr lang="en-US" dirty="0">
+            <a:endParaRPr lang="en-US" sz="2400" dirty="0">
               <a:latin typeface="Courier New" charset="0"/>
               <a:cs typeface="Courier New" charset="0"/>
             </a:endParaRPr>
           </a:p>
           <a:p>
             <a:r>
-              <a:rPr lang="en-US" dirty="0">
+              <a:rPr lang="en-US" sz="2400" dirty="0">
                 <a:latin typeface="Courier New" charset="0"/>
                 <a:cs typeface="Courier New" charset="0"/>
               </a:rPr>
               <a:t>stat</a:t>
             </a:r>
             <a:r>
-              <a:rPr lang="en-US" dirty="0"/>
+              <a:rPr lang="en-US" sz="2400" dirty="0"/>
               <a:t>: diagnostic statistics at each IMIS iteration</a:t>
             </a:r>
           </a:p>
           <a:p>
             <a:pPr lvl="1"/>
             <a:r>
-              <a:rPr lang="en-US" dirty="0" err="1">
+              <a:rPr lang="en-US" sz="2400" dirty="0" err="1">
                 <a:latin typeface="Courier New" panose="02070309020205020404" pitchFamily="49" charset="0"/>
                 <a:cs typeface="Courier New" panose="02070309020205020404" pitchFamily="49" charset="0"/>
               </a:rPr>
               <a:t>MargLike</a:t>
             </a:r>
             <a:r>
-              <a:rPr lang="en-US" dirty="0"/>
+              <a:rPr lang="en-US" sz="2400" dirty="0"/>
               <a:t>:</a:t>
             </a:r>
           </a:p>
           <a:p>
             <a:pPr lvl="1"/>
             <a:r>
-              <a:rPr lang="en-US" dirty="0" err="1">
+              <a:rPr lang="en-US" sz="2400" dirty="0" err="1">
                 <a:latin typeface="Courier New" panose="02070309020205020404" pitchFamily="49" charset="0"/>
                 <a:cs typeface="Courier New" panose="02070309020205020404" pitchFamily="49" charset="0"/>
               </a:rPr>
               <a:t>UniquePoint</a:t>
             </a:r>
             <a:r>
-              <a:rPr lang="en-US" dirty="0"/>
+              <a:rPr lang="en-US" sz="2400" dirty="0"/>
               <a:t>: expected number of unique points among</a:t>
             </a:r>
             <a:r>
-              <a:rPr lang="en-US" dirty="0">
+              <a:rPr lang="en-US" sz="2400" dirty="0">
                 <a:latin typeface="Courier New" charset="0"/>
                 <a:cs typeface="Courier New" charset="0"/>
               </a:rPr>
               <a:t> resamples</a:t>
             </a:r>
-            <a:endParaRPr lang="en-US" dirty="0"/>
+            <a:endParaRPr lang="en-US" sz="2400" dirty="0"/>
           </a:p>
           <a:p>
             <a:pPr lvl="1"/>
             <a:r>
-              <a:rPr lang="en-US" dirty="0" err="1">
+              <a:rPr lang="en-US" sz="2400" dirty="0" err="1">
                 <a:latin typeface="Courier New" panose="02070309020205020404" pitchFamily="49" charset="0"/>
                 <a:cs typeface="Courier New" panose="02070309020205020404" pitchFamily="49" charset="0"/>
               </a:rPr>
               <a:t>MaxWeight</a:t>
             </a:r>
             <a:r>
-              <a:rPr lang="en-US" dirty="0"/>
+              <a:rPr lang="en-US" sz="2400" dirty="0"/>
               <a:t>: maximum importance weight</a:t>
             </a:r>
           </a:p>
           <a:p>
             <a:pPr lvl="1"/>
             <a:r>
-              <a:rPr lang="en-US" dirty="0">
+              <a:rPr lang="en-US" sz="2400" dirty="0">
                 <a:latin typeface="Courier New" panose="02070309020205020404" pitchFamily="49" charset="0"/>
                 <a:cs typeface="Courier New" panose="02070309020205020404" pitchFamily="49" charset="0"/>
               </a:rPr>
               <a:t>ESS</a:t>
             </a:r>
             <a:r>
-              <a:rPr lang="en-US" dirty="0"/>
+              <a:rPr lang="en-US" sz="2400" dirty="0"/>
               <a:t>: effective sample size (the closer to </a:t>
             </a:r>
             <a:r>
-              <a:rPr lang="en-US" dirty="0" err="1">
+              <a:rPr lang="en-US" sz="2400" dirty="0" err="1">
                 <a:latin typeface="Courier New" panose="02070309020205020404" pitchFamily="49" charset="0"/>
                 <a:cs typeface="Courier New" panose="02070309020205020404" pitchFamily="49" charset="0"/>
               </a:rPr>
               <a:t>B.re</a:t>
             </a:r>
             <a:r>
-              <a:rPr lang="en-US" dirty="0">
+              <a:rPr lang="en-US" sz="2400" dirty="0">
                 <a:latin typeface="Verdana" panose="020B0604030504040204" pitchFamily="34" charset="0"/>
                 <a:ea typeface="Verdana" panose="020B0604030504040204" pitchFamily="34" charset="0"/>
                 <a:cs typeface="Verdana" panose="020B0604030504040204" pitchFamily="34" charset="0"/>
@@ -22350,34 +22331,34 @@
               <a:t>, </a:t>
             </a:r>
             <a:r>
-              <a:rPr lang="en-US" dirty="0"/>
+              <a:rPr lang="en-US" sz="2400" dirty="0"/>
               <a:t>the better)</a:t>
             </a:r>
           </a:p>
           <a:p>
-            <a:endParaRPr lang="en-US" dirty="0">
+            <a:endParaRPr lang="en-US" sz="2400" dirty="0">
               <a:latin typeface="Courier New" charset="0"/>
               <a:cs typeface="Courier New" charset="0"/>
             </a:endParaRPr>
           </a:p>
           <a:p>
             <a:r>
-              <a:rPr lang="en-US" dirty="0">
+              <a:rPr lang="en-US" sz="2400" dirty="0">
                 <a:latin typeface="Courier New" charset="0"/>
                 <a:cs typeface="Courier New" charset="0"/>
               </a:rPr>
               <a:t>center</a:t>
             </a:r>
             <a:r>
-              <a:rPr lang="en-US" dirty="0"/>
+              <a:rPr lang="en-US" sz="2400" dirty="0"/>
               <a:t>: center of Gaussian components</a:t>
             </a:r>
           </a:p>
           <a:p>
-            <a:endParaRPr lang="en-US" dirty="0"/>
-          </a:p>
-          <a:p>
-            <a:endParaRPr lang="en-US" dirty="0"/>
+            <a:endParaRPr lang="en-US" sz="2400" dirty="0"/>
+          </a:p>
+          <a:p>
+            <a:endParaRPr lang="en-US" sz="2400" dirty="0"/>
           </a:p>
         </p:txBody>
       </p:sp>
@@ -25001,6 +24982,26 @@
 </file>
 
 <file path=customXml/item1.xml><?xml version="1.0" encoding="utf-8"?>
+<p:properties xmlns:p="http://schemas.microsoft.com/office/2006/metadata/properties" xmlns:xsi="http://www.w3.org/2001/XMLSchema-instance" xmlns:pc="http://schemas.microsoft.com/office/infopath/2007/PartnerControls">
+  <documentManagement>
+    <TaxCatchAll xmlns="1e4ee373-b002-48a3-8c07-428d4f86ba70" xsi:nil="true"/>
+    <lcf76f155ced4ddcb4097134ff3c332f xmlns="8c82f41a-2b68-46e8-a60b-c15862ce064e">
+      <Terms xmlns="http://schemas.microsoft.com/office/infopath/2007/PartnerControls"/>
+    </lcf76f155ced4ddcb4097134ff3c332f>
+  </documentManagement>
+</p:properties>
+</file>
+
+<file path=customXml/item2.xml><?xml version="1.0" encoding="utf-8"?>
+<?mso-contentType ?>
+<FormTemplates xmlns="http://schemas.microsoft.com/sharepoint/v3/contenttype/forms">
+  <Display>DocumentLibraryForm</Display>
+  <Edit>DocumentLibraryForm</Edit>
+  <New>DocumentLibraryForm</New>
+</FormTemplates>
+</file>
+
+<file path=customXml/item3.xml><?xml version="1.0" encoding="utf-8"?>
 <ct:contentTypeSchema xmlns:ct="http://schemas.microsoft.com/office/2006/metadata/contentType" xmlns:ma="http://schemas.microsoft.com/office/2006/metadata/properties/metaAttributes" ct:_="" ma:_="" ma:contentTypeName="Document" ma:contentTypeID="0x0101003BFB4C436BE93140BDFCA347BFB36EC4" ma:contentTypeVersion="16" ma:contentTypeDescription="Create a new document." ma:contentTypeScope="" ma:versionID="e70617a1d8e58781b778c23e179c548e">
   <xsd:schema xmlns:xsd="http://www.w3.org/2001/XMLSchema" xmlns:xs="http://www.w3.org/2001/XMLSchema" xmlns:p="http://schemas.microsoft.com/office/2006/metadata/properties" xmlns:ns2="1e4ee373-b002-48a3-8c07-428d4f86ba70" xmlns:ns3="8c82f41a-2b68-46e8-a60b-c15862ce064e" targetNamespace="http://schemas.microsoft.com/office/2006/metadata/properties" ma:root="true" ma:fieldsID="f37fcafe7f2462efdc9d8ca889ac96e4" ns2:_="" ns3:_="">
     <xsd:import namespace="1e4ee373-b002-48a3-8c07-428d4f86ba70"/>
@@ -25243,27 +25244,26 @@
 </ct:contentTypeSchema>
 </file>
 
-<file path=customXml/item2.xml><?xml version="1.0" encoding="utf-8"?>
-<p:properties xmlns:p="http://schemas.microsoft.com/office/2006/metadata/properties" xmlns:xsi="http://www.w3.org/2001/XMLSchema-instance" xmlns:pc="http://schemas.microsoft.com/office/infopath/2007/PartnerControls">
-  <documentManagement>
-    <TaxCatchAll xmlns="1e4ee373-b002-48a3-8c07-428d4f86ba70" xsi:nil="true"/>
-    <lcf76f155ced4ddcb4097134ff3c332f xmlns="8c82f41a-2b68-46e8-a60b-c15862ce064e">
-      <Terms xmlns="http://schemas.microsoft.com/office/infopath/2007/PartnerControls"/>
-    </lcf76f155ced4ddcb4097134ff3c332f>
-  </documentManagement>
-</p:properties>
+<file path=customXml/itemProps1.xml><?xml version="1.0" encoding="utf-8"?>
+<ds:datastoreItem xmlns:ds="http://schemas.openxmlformats.org/officeDocument/2006/customXml" ds:itemID="{05F243B2-6347-4D8C-884B-9D4C4A590440}">
+  <ds:schemaRefs>
+    <ds:schemaRef ds:uri="http://schemas.microsoft.com/office/2006/metadata/properties"/>
+    <ds:schemaRef ds:uri="http://schemas.microsoft.com/office/infopath/2007/PartnerControls"/>
+    <ds:schemaRef ds:uri="1e4ee373-b002-48a3-8c07-428d4f86ba70"/>
+    <ds:schemaRef ds:uri="8c82f41a-2b68-46e8-a60b-c15862ce064e"/>
+  </ds:schemaRefs>
+</ds:datastoreItem>
 </file>
 
-<file path=customXml/item3.xml><?xml version="1.0" encoding="utf-8"?>
-<?mso-contentType ?>
-<FormTemplates xmlns="http://schemas.microsoft.com/sharepoint/v3/contenttype/forms">
-  <Display>DocumentLibraryForm</Display>
-  <Edit>DocumentLibraryForm</Edit>
-  <New>DocumentLibraryForm</New>
-</FormTemplates>
+<file path=customXml/itemProps2.xml><?xml version="1.0" encoding="utf-8"?>
+<ds:datastoreItem xmlns:ds="http://schemas.openxmlformats.org/officeDocument/2006/customXml" ds:itemID="{ACD89099-12E5-4F5F-BFBD-C5BF8BFBA1C6}">
+  <ds:schemaRefs>
+    <ds:schemaRef ds:uri="http://schemas.microsoft.com/sharepoint/v3/contenttype/forms"/>
+  </ds:schemaRefs>
+</ds:datastoreItem>
 </file>
 
-<file path=customXml/itemProps1.xml><?xml version="1.0" encoding="utf-8"?>
+<file path=customXml/itemProps3.xml><?xml version="1.0" encoding="utf-8"?>
 <ds:datastoreItem xmlns:ds="http://schemas.openxmlformats.org/officeDocument/2006/customXml" ds:itemID="{D6894393-DEF4-4D49-B05F-9B4F2E2DCD4B}">
   <ds:schemaRefs>
     <ds:schemaRef ds:uri="http://schemas.microsoft.com/office/2006/metadata/contentType"/>
@@ -25280,23 +25280,4 @@
     <ds:schemaRef ds:uri="http://schemas.microsoft.com/internal/obd"/>
   </ds:schemaRefs>
 </ds:datastoreItem>
-</file>
-
-<file path=customXml/itemProps2.xml><?xml version="1.0" encoding="utf-8"?>
-<ds:datastoreItem xmlns:ds="http://schemas.openxmlformats.org/officeDocument/2006/customXml" ds:itemID="{05F243B2-6347-4D8C-884B-9D4C4A590440}">
-  <ds:schemaRefs>
-    <ds:schemaRef ds:uri="http://schemas.microsoft.com/office/2006/metadata/properties"/>
-    <ds:schemaRef ds:uri="http://schemas.microsoft.com/office/infopath/2007/PartnerControls"/>
-    <ds:schemaRef ds:uri="1e4ee373-b002-48a3-8c07-428d4f86ba70"/>
-    <ds:schemaRef ds:uri="8c82f41a-2b68-46e8-a60b-c15862ce064e"/>
-  </ds:schemaRefs>
-</ds:datastoreItem>
-</file>
-
-<file path=customXml/itemProps3.xml><?xml version="1.0" encoding="utf-8"?>
-<ds:datastoreItem xmlns:ds="http://schemas.openxmlformats.org/officeDocument/2006/customXml" ds:itemID="{ACD89099-12E5-4F5F-BFBD-C5BF8BFBA1C6}">
-  <ds:schemaRefs>
-    <ds:schemaRef ds:uri="http://schemas.microsoft.com/sharepoint/v3/contenttype/forms"/>
-  </ds:schemaRefs>
-</ds:datastoreItem>
 </file>
--- a/ISPOR2023_Calibration.pptx
+++ b/ISPOR2023_Calibration.pptx
@@ -16834,8 +16834,8 @@
           </a:p>
         </p:txBody>
       </p:sp>
-      <mc:AlternateContent xmlns:mc="http://schemas.openxmlformats.org/markup-compatibility/2006" xmlns:a14="http://schemas.microsoft.com/office/drawing/2010/main">
-        <mc:Choice Requires="a14">
+      <mc:AlternateContent xmlns:mc="http://schemas.openxmlformats.org/markup-compatibility/2006">
+        <mc:Choice xmlns:a14="http://schemas.microsoft.com/office/drawing/2010/main" Requires="a14">
           <p:sp>
             <p:nvSpPr>
               <p:cNvPr id="3" name="Content Placeholder 2"/>
@@ -16848,8 +16848,8 @@
             </p:nvSpPr>
             <p:spPr>
               <a:xfrm>
-                <a:off x="2364432" y="1417638"/>
-                <a:ext cx="8105861" cy="5440363"/>
+                <a:off x="1120576" y="1417638"/>
+                <a:ext cx="10558806" cy="5440363"/>
               </a:xfrm>
             </p:spPr>
             <p:txBody>
@@ -16864,17 +16864,17 @@
                   </a:spcAft>
                 </a:pPr>
                 <a:r>
-                  <a:rPr lang="en-US" sz="2000" dirty="0"/>
+                  <a:rPr lang="en-US" sz="2400" dirty="0"/>
                   <a:t>Instead of a single best-fitting value, we would like an estimate of uncertainty in model parameters,</a:t>
                 </a:r>
                 <a:r>
-                  <a:rPr lang="es-ES" sz="2000" dirty="0"/>
+                  <a:rPr lang="es-ES" sz="2400" dirty="0"/>
                   <a:t> </a:t>
                 </a:r>
                 <a14:m>
                   <m:oMath xmlns:m="http://schemas.openxmlformats.org/officeDocument/2006/math">
                     <m:r>
-                      <a:rPr lang="en-US" sz="2000" i="1">
+                      <a:rPr lang="en-US" sz="2400" i="1">
                         <a:latin typeface="Cambria Math" panose="02040503050406030204" pitchFamily="18" charset="0"/>
                       </a:rPr>
                       <m:t>𝜃</m:t>
@@ -16882,20 +16882,20 @@
                   </m:oMath>
                 </a14:m>
                 <a:r>
-                  <a:rPr lang="en-US" sz="2000" dirty="0"/>
+                  <a:rPr lang="en-US" sz="2400" dirty="0"/>
                   <a:t>, given our observed targets, </a:t>
                 </a:r>
                 <a14:m>
                   <m:oMath xmlns:m="http://schemas.openxmlformats.org/officeDocument/2006/math">
                     <m:r>
-                      <a:rPr lang="en-US" sz="2000" i="1" dirty="0">
+                      <a:rPr lang="en-US" sz="2400" i="1" dirty="0">
                         <a:latin typeface="Cambria Math" panose="02040503050406030204" pitchFamily="18" charset="0"/>
                       </a:rPr>
                       <m:t>𝑦</m:t>
                     </m:r>
                   </m:oMath>
                 </a14:m>
-                <a:endParaRPr lang="en-US" sz="2000" dirty="0"/>
+                <a:endParaRPr lang="en-US" sz="2400" dirty="0"/>
               </a:p>
               <a:p>
                 <a:pPr lvl="1">
@@ -16904,17 +16904,17 @@
                   </a:spcAft>
                 </a:pPr>
                 <a:r>
-                  <a:rPr lang="en-US" sz="1800" dirty="0"/>
+                  <a:rPr lang="en-US" dirty="0"/>
                   <a:t>E.g. a posterior distribution</a:t>
                 </a:r>
                 <a:r>
-                  <a:rPr lang="es-ES" sz="1800" dirty="0"/>
+                  <a:rPr lang="es-ES" dirty="0"/>
                   <a:t> </a:t>
                 </a:r>
                 <a14:m>
                   <m:oMath xmlns:m="http://schemas.openxmlformats.org/officeDocument/2006/math">
                     <m:r>
-                      <a:rPr lang="es-ES" sz="1800" i="1">
+                      <a:rPr lang="es-ES" i="1">
                         <a:latin typeface="Cambria Math" panose="02040503050406030204" pitchFamily="18" charset="0"/>
                       </a:rPr>
                       <m:t>𝑝</m:t>
@@ -16922,26 +16922,26 @@
                     <m:d>
                       <m:dPr>
                         <m:ctrlPr>
-                          <a:rPr lang="es-ES" sz="1800" i="1">
+                          <a:rPr lang="es-ES" i="1">
                             <a:latin typeface="Cambria Math" panose="02040503050406030204" pitchFamily="18" charset="0"/>
                           </a:rPr>
                         </m:ctrlPr>
                       </m:dPr>
                       <m:e>
                         <m:r>
-                          <a:rPr lang="es-ES" sz="1800" i="1">
+                          <a:rPr lang="es-ES" i="1">
                             <a:latin typeface="Cambria Math" panose="02040503050406030204" pitchFamily="18" charset="0"/>
                           </a:rPr>
                           <m:t>𝜃</m:t>
                         </m:r>
                         <m:r>
-                          <a:rPr lang="es-ES" sz="1800" i="1">
+                          <a:rPr lang="es-ES" i="1">
                             <a:latin typeface="Cambria Math" panose="02040503050406030204" pitchFamily="18" charset="0"/>
                           </a:rPr>
                           <m:t>|</m:t>
                         </m:r>
                         <m:r>
-                          <a:rPr lang="es-ES" sz="1800" i="1">
+                          <a:rPr lang="es-ES" i="1">
                             <a:latin typeface="Cambria Math" panose="02040503050406030204" pitchFamily="18" charset="0"/>
                           </a:rPr>
                           <m:t>𝑦</m:t>
@@ -16950,7 +16950,7 @@
                     </m:d>
                   </m:oMath>
                 </a14:m>
-                <a:endParaRPr lang="en-US" sz="1800" dirty="0"/>
+                <a:endParaRPr lang="en-US" dirty="0"/>
               </a:p>
               <a:p>
                 <a:pPr>
@@ -16959,7 +16959,7 @@
                   </a:spcAft>
                 </a:pPr>
                 <a:r>
-                  <a:rPr lang="en-US" sz="2000" dirty="0"/>
+                  <a:rPr lang="en-US" sz="2400" dirty="0"/>
                   <a:t>Recall Bayes theorem</a:t>
                 </a:r>
               </a:p>
@@ -16977,7 +16977,7 @@
                     </m:oMathParaPr>
                     <m:oMath xmlns:m="http://schemas.openxmlformats.org/officeDocument/2006/math">
                       <m:r>
-                        <a:rPr lang="es-ES" sz="2000" i="1">
+                        <a:rPr lang="es-ES" sz="2400" i="1">
                           <a:latin typeface="Cambria Math" panose="02040503050406030204" pitchFamily="18" charset="0"/>
                         </a:rPr>
                         <m:t>𝑝</m:t>
@@ -16985,26 +16985,26 @@
                       <m:d>
                         <m:dPr>
                           <m:ctrlPr>
-                            <a:rPr lang="es-ES" sz="2000" i="1">
+                            <a:rPr lang="es-ES" sz="2400" i="1">
                               <a:latin typeface="Cambria Math" panose="02040503050406030204" pitchFamily="18" charset="0"/>
                             </a:rPr>
                           </m:ctrlPr>
                         </m:dPr>
                         <m:e>
                           <m:r>
-                            <a:rPr lang="es-ES" sz="2000" i="1">
+                            <a:rPr lang="es-ES" sz="2400" i="1">
                               <a:latin typeface="Cambria Math" panose="02040503050406030204" pitchFamily="18" charset="0"/>
                             </a:rPr>
                             <m:t>𝜃</m:t>
                           </m:r>
                           <m:r>
-                            <a:rPr lang="es-ES" sz="2000" i="1">
+                            <a:rPr lang="es-ES" sz="2400" i="1">
                               <a:latin typeface="Cambria Math" panose="02040503050406030204" pitchFamily="18" charset="0"/>
                             </a:rPr>
                             <m:t>|</m:t>
                           </m:r>
                           <m:r>
-                            <a:rPr lang="es-ES" sz="2000" i="1">
+                            <a:rPr lang="es-ES" sz="2400" i="1">
                               <a:latin typeface="Cambria Math" panose="02040503050406030204" pitchFamily="18" charset="0"/>
                             </a:rPr>
                             <m:t>𝑦</m:t>
@@ -17012,7 +17012,7 @@
                         </m:e>
                       </m:d>
                       <m:r>
-                        <a:rPr lang="es-ES" sz="2000" i="1">
+                        <a:rPr lang="es-ES" sz="2400" i="1">
                           <a:latin typeface="Cambria Math" panose="02040503050406030204" pitchFamily="18" charset="0"/>
                         </a:rPr>
                         <m:t>=</m:t>
@@ -17020,14 +17020,14 @@
                       <m:f>
                         <m:fPr>
                           <m:ctrlPr>
-                            <a:rPr lang="es-ES" sz="2000" i="1">
+                            <a:rPr lang="es-ES" sz="2400" i="1">
                               <a:latin typeface="Cambria Math" panose="02040503050406030204" pitchFamily="18" charset="0"/>
                             </a:rPr>
                           </m:ctrlPr>
                         </m:fPr>
                         <m:num>
                           <m:r>
-                            <a:rPr lang="en-US" sz="2000" i="1">
+                            <a:rPr lang="en-US" sz="2400" i="1">
                               <a:latin typeface="Cambria Math" panose="02040503050406030204" pitchFamily="18" charset="0"/>
                             </a:rPr>
                             <m:t>𝑝</m:t>
@@ -17035,26 +17035,26 @@
                           <m:d>
                             <m:dPr>
                               <m:ctrlPr>
-                                <a:rPr lang="es-ES" sz="2000" i="1">
+                                <a:rPr lang="es-ES" sz="2400" i="1">
                                   <a:latin typeface="Cambria Math" panose="02040503050406030204" pitchFamily="18" charset="0"/>
                                 </a:rPr>
                               </m:ctrlPr>
                             </m:dPr>
                             <m:e>
                               <m:r>
-                                <a:rPr lang="es-ES" sz="2000" i="1">
+                                <a:rPr lang="es-ES" sz="2400" i="1">
                                   <a:latin typeface="Cambria Math" panose="02040503050406030204" pitchFamily="18" charset="0"/>
                                 </a:rPr>
                                 <m:t>𝑦</m:t>
                               </m:r>
                               <m:r>
-                                <a:rPr lang="es-ES" sz="2000" i="1">
+                                <a:rPr lang="es-ES" sz="2400" i="1">
                                   <a:latin typeface="Cambria Math" panose="02040503050406030204" pitchFamily="18" charset="0"/>
                                 </a:rPr>
                                 <m:t>|</m:t>
                               </m:r>
                               <m:r>
-                                <a:rPr lang="es-ES" sz="2000" i="1">
+                                <a:rPr lang="es-ES" sz="2400" i="1">
                                   <a:latin typeface="Cambria Math" panose="02040503050406030204" pitchFamily="18" charset="0"/>
                                 </a:rPr>
                                 <m:t>𝜃</m:t>
@@ -17062,7 +17062,7 @@
                             </m:e>
                           </m:d>
                           <m:r>
-                            <a:rPr lang="es-ES" sz="2000" i="1">
+                            <a:rPr lang="es-ES" sz="2400" i="1">
                               <a:latin typeface="Cambria Math" panose="02040503050406030204" pitchFamily="18" charset="0"/>
                             </a:rPr>
                             <m:t>𝑝</m:t>
@@ -17070,14 +17070,14 @@
                           <m:d>
                             <m:dPr>
                               <m:ctrlPr>
-                                <a:rPr lang="es-ES" sz="2000" i="1">
+                                <a:rPr lang="es-ES" sz="2400" i="1">
                                   <a:latin typeface="Cambria Math" panose="02040503050406030204" pitchFamily="18" charset="0"/>
                                 </a:rPr>
                               </m:ctrlPr>
                             </m:dPr>
                             <m:e>
                               <m:r>
-                                <a:rPr lang="es-ES" sz="2000" i="1">
+                                <a:rPr lang="es-ES" sz="2400" i="1">
                                   <a:latin typeface="Cambria Math" panose="02040503050406030204" pitchFamily="18" charset="0"/>
                                 </a:rPr>
                                 <m:t>𝜃</m:t>
@@ -17087,7 +17087,7 @@
                         </m:num>
                         <m:den>
                           <m:r>
-                            <a:rPr lang="es-ES" sz="2000" i="1">
+                            <a:rPr lang="es-ES" sz="2400" i="1">
                               <a:latin typeface="Cambria Math" panose="02040503050406030204" pitchFamily="18" charset="0"/>
                             </a:rPr>
                             <m:t>𝑝</m:t>
@@ -17095,14 +17095,14 @@
                           <m:d>
                             <m:dPr>
                               <m:ctrlPr>
-                                <a:rPr lang="es-ES" sz="2000" i="1">
+                                <a:rPr lang="es-ES" sz="2400" i="1">
                                   <a:latin typeface="Cambria Math" panose="02040503050406030204" pitchFamily="18" charset="0"/>
                                 </a:rPr>
                               </m:ctrlPr>
                             </m:dPr>
                             <m:e>
                               <m:r>
-                                <a:rPr lang="es-ES" sz="2000" i="1">
+                                <a:rPr lang="es-ES" sz="2400" i="1">
                                   <a:latin typeface="Cambria Math" panose="02040503050406030204" pitchFamily="18" charset="0"/>
                                 </a:rPr>
                                 <m:t>𝑦</m:t>
@@ -17114,7 +17114,7 @@
                     </m:oMath>
                   </m:oMathPara>
                 </a14:m>
-                <a:endParaRPr lang="es-ES" sz="2000" dirty="0"/>
+                <a:endParaRPr lang="es-ES" sz="2400" dirty="0"/>
               </a:p>
               <a:p>
                 <a:pPr lvl="1">
@@ -17125,7 +17125,7 @@
                 <a14:m>
                   <m:oMath xmlns:m="http://schemas.openxmlformats.org/officeDocument/2006/math">
                     <m:r>
-                      <a:rPr lang="es-ES" sz="1800" i="1">
+                      <a:rPr lang="es-ES" i="1">
                         <a:latin typeface="Cambria Math" panose="02040503050406030204" pitchFamily="18" charset="0"/>
                       </a:rPr>
                       <m:t>𝑝</m:t>
@@ -17133,14 +17133,14 @@
                     <m:d>
                       <m:dPr>
                         <m:ctrlPr>
-                          <a:rPr lang="es-ES" sz="1800" i="1">
+                          <a:rPr lang="es-ES" i="1">
                             <a:latin typeface="Cambria Math" panose="02040503050406030204" pitchFamily="18" charset="0"/>
                           </a:rPr>
                         </m:ctrlPr>
                       </m:dPr>
                       <m:e>
                         <m:r>
-                          <a:rPr lang="es-ES" sz="1800" i="1">
+                          <a:rPr lang="es-ES" i="1">
                             <a:latin typeface="Cambria Math" panose="02040503050406030204" pitchFamily="18" charset="0"/>
                           </a:rPr>
                           <m:t>𝜃</m:t>
@@ -17150,7 +17150,7 @@
                   </m:oMath>
                 </a14:m>
                 <a:r>
-                  <a:rPr lang="en-US" sz="1800" dirty="0"/>
+                  <a:rPr lang="en-US" dirty="0"/>
                   <a:t> is the prior distribution</a:t>
                 </a:r>
               </a:p>
@@ -17163,7 +17163,7 @@
                 <a14:m>
                   <m:oMath xmlns:m="http://schemas.openxmlformats.org/officeDocument/2006/math">
                     <m:r>
-                      <a:rPr lang="en-US" sz="1800" i="1">
+                      <a:rPr lang="en-US" i="1">
                         <a:latin typeface="Cambria Math" panose="02040503050406030204" pitchFamily="18" charset="0"/>
                       </a:rPr>
                       <m:t>𝑝</m:t>
@@ -17171,26 +17171,26 @@
                     <m:d>
                       <m:dPr>
                         <m:ctrlPr>
-                          <a:rPr lang="es-ES" sz="1800" i="1">
+                          <a:rPr lang="es-ES" i="1">
                             <a:latin typeface="Cambria Math" panose="02040503050406030204" pitchFamily="18" charset="0"/>
                           </a:rPr>
                         </m:ctrlPr>
                       </m:dPr>
                       <m:e>
                         <m:r>
-                          <a:rPr lang="es-ES" sz="1800" i="1">
+                          <a:rPr lang="es-ES" i="1">
                             <a:latin typeface="Cambria Math" panose="02040503050406030204" pitchFamily="18" charset="0"/>
                           </a:rPr>
                           <m:t>𝑦</m:t>
                         </m:r>
                         <m:r>
-                          <a:rPr lang="es-ES" sz="1800" i="1">
+                          <a:rPr lang="es-ES" i="1">
                             <a:latin typeface="Cambria Math" panose="02040503050406030204" pitchFamily="18" charset="0"/>
                           </a:rPr>
                           <m:t>|</m:t>
                         </m:r>
                         <m:r>
-                          <a:rPr lang="es-ES" sz="1800" i="1">
+                          <a:rPr lang="es-ES" i="1">
                             <a:latin typeface="Cambria Math" panose="02040503050406030204" pitchFamily="18" charset="0"/>
                           </a:rPr>
                           <m:t>𝜃</m:t>
@@ -17200,13 +17200,13 @@
                   </m:oMath>
                 </a14:m>
                 <a:r>
-                  <a:rPr lang="en-US" sz="1800" dirty="0"/>
+                  <a:rPr lang="en-US" dirty="0"/>
                   <a:t> has a “related” likelihood function </a:t>
                 </a:r>
                 <a14:m>
                   <m:oMath xmlns:m="http://schemas.openxmlformats.org/officeDocument/2006/math">
                     <m:r>
-                      <a:rPr lang="es-ES" sz="1800" i="1">
+                      <a:rPr lang="es-ES" i="1">
                         <a:latin typeface="Cambria Math" panose="02040503050406030204" pitchFamily="18" charset="0"/>
                       </a:rPr>
                       <m:t>𝐿</m:t>
@@ -17214,26 +17214,26 @@
                     <m:d>
                       <m:dPr>
                         <m:ctrlPr>
-                          <a:rPr lang="es-ES" sz="1800" i="1">
+                          <a:rPr lang="es-ES" i="1">
                             <a:latin typeface="Cambria Math" panose="02040503050406030204" pitchFamily="18" charset="0"/>
                           </a:rPr>
                         </m:ctrlPr>
                       </m:dPr>
                       <m:e>
                         <m:r>
-                          <a:rPr lang="es-ES" sz="1800" i="1">
+                          <a:rPr lang="es-ES" i="1">
                             <a:latin typeface="Cambria Math" panose="02040503050406030204" pitchFamily="18" charset="0"/>
                           </a:rPr>
                           <m:t>𝑦</m:t>
                         </m:r>
                         <m:r>
-                          <a:rPr lang="es-ES" sz="1800" i="1">
+                          <a:rPr lang="es-ES" i="1">
                             <a:latin typeface="Cambria Math" panose="02040503050406030204" pitchFamily="18" charset="0"/>
                           </a:rPr>
                           <m:t>|</m:t>
                         </m:r>
                         <m:r>
-                          <a:rPr lang="es-ES" sz="1800" i="1">
+                          <a:rPr lang="es-ES" i="1">
                             <a:latin typeface="Cambria Math" panose="02040503050406030204" pitchFamily="18" charset="0"/>
                           </a:rPr>
                           <m:t>𝜃</m:t>
@@ -17243,13 +17243,13 @@
                   </m:oMath>
                 </a14:m>
                 <a:r>
-                  <a:rPr lang="en-US" sz="1800" dirty="0"/>
+                  <a:rPr lang="en-US" dirty="0"/>
                   <a:t> </a:t>
                 </a:r>
                 <a14:m>
                   <m:oMath xmlns:m="http://schemas.openxmlformats.org/officeDocument/2006/math">
                     <m:r>
-                      <a:rPr lang="es-ES" sz="1800" i="1">
+                      <a:rPr lang="es-ES" i="1">
                         <a:latin typeface="Cambria Math" panose="02040503050406030204" pitchFamily="18" charset="0"/>
                       </a:rPr>
                       <m:t>∝</m:t>
@@ -17257,13 +17257,13 @@
                   </m:oMath>
                 </a14:m>
                 <a:r>
-                  <a:rPr lang="en-US" sz="1800" dirty="0"/>
+                  <a:rPr lang="en-US" dirty="0"/>
                   <a:t> </a:t>
                 </a:r>
                 <a14:m>
                   <m:oMath xmlns:m="http://schemas.openxmlformats.org/officeDocument/2006/math">
                     <m:r>
-                      <a:rPr lang="en-US" sz="1800" i="1">
+                      <a:rPr lang="en-US" i="1">
                         <a:latin typeface="Cambria Math" panose="02040503050406030204" pitchFamily="18" charset="0"/>
                       </a:rPr>
                       <m:t>𝑝</m:t>
@@ -17271,26 +17271,26 @@
                     <m:d>
                       <m:dPr>
                         <m:ctrlPr>
-                          <a:rPr lang="es-ES" sz="1800" i="1">
+                          <a:rPr lang="es-ES" i="1">
                             <a:latin typeface="Cambria Math" panose="02040503050406030204" pitchFamily="18" charset="0"/>
                           </a:rPr>
                         </m:ctrlPr>
                       </m:dPr>
                       <m:e>
                         <m:r>
-                          <a:rPr lang="es-ES" sz="1800" i="1">
+                          <a:rPr lang="es-ES" i="1">
                             <a:latin typeface="Cambria Math" panose="02040503050406030204" pitchFamily="18" charset="0"/>
                           </a:rPr>
                           <m:t>𝑦</m:t>
                         </m:r>
                         <m:r>
-                          <a:rPr lang="es-ES" sz="1800" i="1">
+                          <a:rPr lang="es-ES" i="1">
                             <a:latin typeface="Cambria Math" panose="02040503050406030204" pitchFamily="18" charset="0"/>
                           </a:rPr>
                           <m:t>|</m:t>
                         </m:r>
                         <m:r>
-                          <a:rPr lang="es-ES" sz="1800" i="1">
+                          <a:rPr lang="es-ES" i="1">
                             <a:latin typeface="Cambria Math" panose="02040503050406030204" pitchFamily="18" charset="0"/>
                           </a:rPr>
                           <m:t>𝜃</m:t>
@@ -17300,7 +17300,7 @@
                   </m:oMath>
                 </a14:m>
                 <a:r>
-                  <a:rPr lang="en-US" sz="1800" dirty="0"/>
+                  <a:rPr lang="en-US" dirty="0"/>
                   <a:t> </a:t>
                 </a:r>
               </a:p>
@@ -17313,7 +17313,7 @@
                 <a14:m>
                   <m:oMath xmlns:m="http://schemas.openxmlformats.org/officeDocument/2006/math">
                     <m:r>
-                      <a:rPr lang="en-US" sz="1800" i="1">
+                      <a:rPr lang="en-US" i="1">
                         <a:latin typeface="Cambria Math" panose="02040503050406030204" pitchFamily="18" charset="0"/>
                       </a:rPr>
                       <m:t>𝑝</m:t>
@@ -17321,14 +17321,14 @@
                     <m:d>
                       <m:dPr>
                         <m:ctrlPr>
-                          <a:rPr lang="en-US" sz="1800" i="1">
+                          <a:rPr lang="en-US" i="1">
                             <a:latin typeface="Cambria Math" panose="02040503050406030204" pitchFamily="18" charset="0"/>
                           </a:rPr>
                         </m:ctrlPr>
                       </m:dPr>
                       <m:e>
                         <m:r>
-                          <a:rPr lang="en-US" sz="1800" i="1">
+                          <a:rPr lang="en-US" i="1">
                             <a:latin typeface="Cambria Math" panose="02040503050406030204" pitchFamily="18" charset="0"/>
                           </a:rPr>
                           <m:t>𝑦</m:t>
@@ -17336,7 +17336,7 @@
                       </m:e>
                     </m:d>
                     <m:r>
-                      <a:rPr lang="en-US" sz="1800" i="1">
+                      <a:rPr lang="en-US" i="1">
                         <a:latin typeface="Cambria Math" panose="02040503050406030204" pitchFamily="18" charset="0"/>
                       </a:rPr>
                       <m:t>=</m:t>
@@ -17347,7 +17347,7 @@
                         <m:subHide m:val="on"/>
                         <m:supHide m:val="on"/>
                         <m:ctrlPr>
-                          <a:rPr lang="en-US" sz="1800" i="1">
+                          <a:rPr lang="en-US" i="1">
                             <a:latin typeface="Cambria Math" panose="02040503050406030204" pitchFamily="18" charset="0"/>
                           </a:rPr>
                         </m:ctrlPr>
@@ -17356,7 +17356,7 @@
                       <m:sup/>
                       <m:e>
                         <m:r>
-                          <a:rPr lang="en-US" sz="1800" i="1">
+                          <a:rPr lang="en-US" i="1">
                             <a:latin typeface="Cambria Math" panose="02040503050406030204" pitchFamily="18" charset="0"/>
                           </a:rPr>
                           <m:t>𝑝</m:t>
@@ -17364,26 +17364,26 @@
                         <m:d>
                           <m:dPr>
                             <m:ctrlPr>
-                              <a:rPr lang="es-ES" sz="1800" i="1">
+                              <a:rPr lang="es-ES" i="1">
                                 <a:latin typeface="Cambria Math" panose="02040503050406030204" pitchFamily="18" charset="0"/>
                               </a:rPr>
                             </m:ctrlPr>
                           </m:dPr>
                           <m:e>
                             <m:r>
-                              <a:rPr lang="es-ES" sz="1800" i="1">
+                              <a:rPr lang="es-ES" i="1">
                                 <a:latin typeface="Cambria Math" panose="02040503050406030204" pitchFamily="18" charset="0"/>
                               </a:rPr>
                               <m:t>𝑦</m:t>
                             </m:r>
                             <m:r>
-                              <a:rPr lang="es-ES" sz="1800" i="1">
+                              <a:rPr lang="es-ES" i="1">
                                 <a:latin typeface="Cambria Math" panose="02040503050406030204" pitchFamily="18" charset="0"/>
                               </a:rPr>
                               <m:t>|</m:t>
                             </m:r>
                             <m:r>
-                              <a:rPr lang="es-ES" sz="1800" i="1">
+                              <a:rPr lang="es-ES" i="1">
                                 <a:latin typeface="Cambria Math" panose="02040503050406030204" pitchFamily="18" charset="0"/>
                               </a:rPr>
                               <m:t>𝜃</m:t>
@@ -17391,7 +17391,7 @@
                           </m:e>
                         </m:d>
                         <m:r>
-                          <a:rPr lang="es-ES" sz="1800" i="1">
+                          <a:rPr lang="es-ES" i="1">
                             <a:latin typeface="Cambria Math" panose="02040503050406030204" pitchFamily="18" charset="0"/>
                           </a:rPr>
                           <m:t>𝑝</m:t>
@@ -17399,14 +17399,14 @@
                         <m:d>
                           <m:dPr>
                             <m:ctrlPr>
-                              <a:rPr lang="es-ES" sz="1800" i="1">
+                              <a:rPr lang="es-ES" i="1">
                                 <a:latin typeface="Cambria Math" panose="02040503050406030204" pitchFamily="18" charset="0"/>
                               </a:rPr>
                             </m:ctrlPr>
                           </m:dPr>
                           <m:e>
                             <m:r>
-                              <a:rPr lang="es-ES" sz="1800" i="1">
+                              <a:rPr lang="es-ES" i="1">
                                 <a:latin typeface="Cambria Math" panose="02040503050406030204" pitchFamily="18" charset="0"/>
                               </a:rPr>
                               <m:t>𝜃</m:t>
@@ -17416,13 +17416,13 @@
                       </m:e>
                     </m:nary>
                     <m:r>
-                      <a:rPr lang="en-US" sz="1800" i="1">
+                      <a:rPr lang="en-US" i="1">
                         <a:latin typeface="Cambria Math" panose="02040503050406030204" pitchFamily="18" charset="0"/>
                       </a:rPr>
                       <m:t>𝑑</m:t>
                     </m:r>
                     <m:r>
-                      <a:rPr lang="en-US" sz="1800" i="1">
+                      <a:rPr lang="en-US" i="1">
                         <a:latin typeface="Cambria Math" panose="02040503050406030204" pitchFamily="18" charset="0"/>
                       </a:rPr>
                       <m:t>𝜃</m:t>
@@ -17430,13 +17430,13 @@
                   </m:oMath>
                 </a14:m>
                 <a:r>
-                  <a:rPr lang="en-US" sz="1800" dirty="0"/>
+                  <a:rPr lang="en-US" dirty="0"/>
                   <a:t> is not a function of </a:t>
                 </a:r>
                 <a14:m>
                   <m:oMath xmlns:m="http://schemas.openxmlformats.org/officeDocument/2006/math">
                     <m:r>
-                      <a:rPr lang="en-US" sz="1800" i="1">
+                      <a:rPr lang="en-US" i="1">
                         <a:latin typeface="Cambria Math" panose="02040503050406030204" pitchFamily="18" charset="0"/>
                       </a:rPr>
                       <m:t>𝜃</m:t>
@@ -17444,14 +17444,14 @@
                   </m:oMath>
                 </a14:m>
                 <a:r>
-                  <a:rPr lang="en-US" sz="1800" dirty="0"/>
+                  <a:rPr lang="en-US" dirty="0"/>
                   <a:t> and often difficult to calculate</a:t>
                 </a:r>
               </a:p>
             </p:txBody>
           </p:sp>
         </mc:Choice>
-        <mc:Fallback xmlns="">
+        <mc:Fallback>
           <p:sp>
             <p:nvSpPr>
               <p:cNvPr id="3" name="Content Placeholder 2"/>
@@ -17464,13 +17464,13 @@
             </p:nvSpPr>
             <p:spPr>
               <a:xfrm>
-                <a:off x="2364432" y="1417638"/>
-                <a:ext cx="8105861" cy="5440363"/>
+                <a:off x="1120576" y="1417638"/>
+                <a:ext cx="10558806" cy="5440363"/>
               </a:xfrm>
               <a:blipFill>
                 <a:blip r:embed="rId2"/>
                 <a:stretch>
-                  <a:fillRect t="-673" r="-752"/>
+                  <a:fillRect t="-932"/>
                 </a:stretch>
               </a:blipFill>
             </p:spPr>
@@ -17833,8 +17833,8 @@
           </a:p>
         </p:txBody>
       </p:sp>
-      <mc:AlternateContent xmlns:mc="http://schemas.openxmlformats.org/markup-compatibility/2006" xmlns:a14="http://schemas.microsoft.com/office/drawing/2010/main">
-        <mc:Choice Requires="a14">
+      <mc:AlternateContent xmlns:mc="http://schemas.openxmlformats.org/markup-compatibility/2006">
+        <mc:Choice xmlns:a14="http://schemas.microsoft.com/office/drawing/2010/main" Requires="a14">
           <p:sp>
             <p:nvSpPr>
               <p:cNvPr id="3" name="Content Placeholder 2">
@@ -17872,7 +17872,7 @@
                   </a:spcAft>
                 </a:pPr>
                 <a:r>
-                  <a:rPr lang="en-US" dirty="0"/>
+                  <a:rPr lang="en-US" sz="2400" dirty="0"/>
                   <a:t>A few steps of math...</a:t>
                 </a:r>
               </a:p>
@@ -18284,14 +18284,14 @@
                   </a:spcAft>
                 </a:pPr>
                 <a:r>
-                  <a:rPr lang="en-US" dirty="0"/>
+                  <a:rPr lang="en-US" sz="2400" dirty="0"/>
                   <a:t>Using this fact, we can sample the posterior distribution using the likelihood function, prior distribution, and some clever algorithms</a:t>
                 </a:r>
               </a:p>
             </p:txBody>
           </p:sp>
         </mc:Choice>
-        <mc:Fallback xmlns="">
+        <mc:Fallback>
           <p:sp>
             <p:nvSpPr>
               <p:cNvPr id="3" name="Content Placeholder 2">
@@ -18316,7 +18316,7 @@
               <a:blipFill>
                 <a:blip r:embed="rId2"/>
                 <a:stretch>
-                  <a:fillRect t="-761"/>
+                  <a:fillRect t="-1015"/>
                 </a:stretch>
               </a:blipFill>
             </p:spPr>
@@ -18943,8 +18943,8 @@
           </p:sp>
         </mc:Fallback>
       </mc:AlternateContent>
-      <mc:AlternateContent xmlns:mc="http://schemas.openxmlformats.org/markup-compatibility/2006" xmlns:a14="http://schemas.microsoft.com/office/drawing/2010/main">
-        <mc:Choice Requires="a14">
+      <mc:AlternateContent xmlns:mc="http://schemas.openxmlformats.org/markup-compatibility/2006">
+        <mc:Choice xmlns:a14="http://schemas.microsoft.com/office/drawing/2010/main" Requires="a14">
           <p:sp>
             <p:nvSpPr>
               <p:cNvPr id="3" name="Content Placeholder 2"/>
@@ -18973,10 +18973,10 @@
                   </a:spcAft>
                 </a:pPr>
                 <a:r>
-                  <a:rPr lang="en-US" b="1" dirty="0"/>
+                  <a:rPr lang="en-US" sz="2400" b="1" dirty="0"/>
                   <a:t>Normal distribution</a:t>
                 </a:r>
-                <a:endParaRPr lang="en-US" dirty="0"/>
+                <a:endParaRPr lang="en-US" sz="2400" dirty="0"/>
               </a:p>
               <a:p>
                 <a:pPr marL="114300" indent="0">
@@ -18986,18 +18986,18 @@
                   <a:buNone/>
                 </a:pPr>
                 <a:r>
-                  <a:rPr lang="en-US" dirty="0"/>
+                  <a:rPr lang="en-US" sz="2400" dirty="0"/>
                   <a:t>	In R: </a:t>
                 </a:r>
                 <a:r>
-                  <a:rPr lang="en-US" dirty="0" err="1">
+                  <a:rPr lang="en-US" sz="2400" dirty="0" err="1">
                     <a:latin typeface="Courier New" charset="0"/>
                     <a:cs typeface="Courier New" charset="0"/>
                   </a:rPr>
                   <a:t>r</a:t>
                 </a:r>
                 <a:r>
-                  <a:rPr lang="en-US" dirty="0" err="1">
+                  <a:rPr lang="en-US" sz="2400" dirty="0" err="1">
                     <a:latin typeface="Courier New" charset="0"/>
                     <a:ea typeface="Courier New" charset="0"/>
                     <a:cs typeface="Courier New" charset="0"/>
@@ -19005,7 +19005,7 @@
                   <a:t>norm</a:t>
                 </a:r>
                 <a:r>
-                  <a:rPr lang="en-US" dirty="0">
+                  <a:rPr lang="en-US" sz="2400" dirty="0">
                     <a:latin typeface="Courier New" charset="0"/>
                     <a:ea typeface="Courier New" charset="0"/>
                     <a:cs typeface="Courier New" charset="0"/>
@@ -19013,7 +19013,7 @@
                   <a:t>(n=</a:t>
                 </a:r>
                 <a:r>
-                  <a:rPr lang="en-US" dirty="0">
+                  <a:rPr lang="en-US" sz="2400" dirty="0">
                     <a:ea typeface="Courier New" charset="0"/>
                     <a:cs typeface="Courier New" charset="0"/>
                   </a:rPr>
@@ -19024,7 +19024,7 @@
                     <m:sSub>
                       <m:sSubPr>
                         <m:ctrlPr>
-                          <a:rPr lang="en-US" i="1">
+                          <a:rPr lang="en-US" sz="2400" i="1">
                             <a:latin typeface="Cambria Math" panose="02040503050406030204" pitchFamily="18" charset="0"/>
                             <a:ea typeface="Courier New" charset="0"/>
                             <a:cs typeface="Courier New" charset="0"/>
@@ -19033,7 +19033,7 @@
                       </m:sSubPr>
                       <m:e>
                         <m:r>
-                          <a:rPr lang="es-ES" b="0" i="1" smtClean="0">
+                          <a:rPr lang="es-ES" sz="2400" b="0" i="1" smtClean="0">
                             <a:latin typeface="Cambria Math" panose="02040503050406030204" pitchFamily="18" charset="0"/>
                             <a:ea typeface="Courier New" charset="0"/>
                             <a:cs typeface="Courier New" charset="0"/>
@@ -19043,7 +19043,7 @@
                       </m:e>
                       <m:sub>
                         <m:r>
-                          <a:rPr lang="es-ES" b="0" i="1" smtClean="0">
+                          <a:rPr lang="es-ES" sz="2400" b="0" i="1" smtClean="0">
                             <a:latin typeface="Cambria Math" panose="02040503050406030204" pitchFamily="18" charset="0"/>
                             <a:ea typeface="Courier New" charset="0"/>
                             <a:cs typeface="Courier New" charset="0"/>
@@ -19055,7 +19055,7 @@
                   </m:oMath>
                 </a14:m>
                 <a:r>
-                  <a:rPr lang="en-US" dirty="0">
+                  <a:rPr lang="en-US" sz="2400" dirty="0">
                     <a:latin typeface="Courier New" charset="0"/>
                     <a:ea typeface="Courier New" charset="0"/>
                     <a:cs typeface="Courier New" charset="0"/>
@@ -19068,7 +19068,7 @@
                       <m:accPr>
                         <m:chr m:val="̅"/>
                         <m:ctrlPr>
-                          <a:rPr lang="es-ES" b="0" i="1" smtClean="0">
+                          <a:rPr lang="es-ES" sz="2400" b="0" i="1" smtClean="0">
                             <a:latin typeface="Cambria Math" panose="02040503050406030204" pitchFamily="18" charset="0"/>
                             <a:ea typeface="Courier New" charset="0"/>
                             <a:cs typeface="Courier New" charset="0"/>
@@ -19077,7 +19077,7 @@
                       </m:accPr>
                       <m:e>
                         <m:r>
-                          <a:rPr lang="es-ES" b="0" i="1" smtClean="0">
+                          <a:rPr lang="es-ES" sz="2400" b="0" i="1" smtClean="0">
                             <a:latin typeface="Cambria Math" panose="02040503050406030204" pitchFamily="18" charset="0"/>
                             <a:ea typeface="Courier New" charset="0"/>
                             <a:cs typeface="Courier New" charset="0"/>
@@ -19089,7 +19089,7 @@
                   </m:oMath>
                 </a14:m>
                 <a:r>
-                  <a:rPr lang="en-US" dirty="0">
+                  <a:rPr lang="en-US" sz="2400" dirty="0">
                     <a:latin typeface="Courier New" charset="0"/>
                     <a:ea typeface="Courier New" charset="0"/>
                     <a:cs typeface="Courier New" charset="0"/>
@@ -19097,7 +19097,7 @@
                   <a:t>, </a:t>
                 </a:r>
                 <a:r>
-                  <a:rPr lang="en-US" dirty="0" err="1">
+                  <a:rPr lang="en-US" sz="2400" dirty="0" err="1">
                     <a:latin typeface="Courier New" charset="0"/>
                     <a:ea typeface="Courier New" charset="0"/>
                     <a:cs typeface="Courier New" charset="0"/>
@@ -19105,7 +19105,7 @@
                   <a:t>sd</a:t>
                 </a:r>
                 <a:r>
-                  <a:rPr lang="en-US" dirty="0">
+                  <a:rPr lang="en-US" sz="2400" dirty="0">
                     <a:latin typeface="Courier New" charset="0"/>
                     <a:ea typeface="Courier New" charset="0"/>
                     <a:cs typeface="Courier New" charset="0"/>
@@ -19117,7 +19117,7 @@
                     <m:sSub>
                       <m:sSubPr>
                         <m:ctrlPr>
-                          <a:rPr lang="en-US" b="0" i="1" smtClean="0">
+                          <a:rPr lang="en-US" sz="2400" b="0" i="1" smtClean="0">
                             <a:latin typeface="Cambria Math" panose="02040503050406030204" pitchFamily="18" charset="0"/>
                             <a:ea typeface="Courier New" charset="0"/>
                             <a:cs typeface="Courier New" charset="0"/>
@@ -19126,7 +19126,7 @@
                       </m:sSubPr>
                       <m:e>
                         <m:r>
-                          <a:rPr lang="en-US" b="0" i="1" smtClean="0">
+                          <a:rPr lang="en-US" sz="2400" b="0" i="1" smtClean="0">
                             <a:latin typeface="Cambria Math" panose="02040503050406030204" pitchFamily="18" charset="0"/>
                             <a:ea typeface="Courier New" charset="0"/>
                             <a:cs typeface="Courier New" charset="0"/>
@@ -19136,7 +19136,7 @@
                       </m:e>
                       <m:sub>
                         <m:r>
-                          <a:rPr lang="en-US" b="0" i="1" smtClean="0">
+                          <a:rPr lang="en-US" sz="2400" b="0" i="1" smtClean="0">
                             <a:latin typeface="Cambria Math" panose="02040503050406030204" pitchFamily="18" charset="0"/>
                             <a:ea typeface="Courier New" charset="0"/>
                             <a:cs typeface="Courier New" charset="0"/>
@@ -19148,7 +19148,7 @@
                   </m:oMath>
                 </a14:m>
                 <a:r>
-                  <a:rPr lang="en-US" dirty="0">
+                  <a:rPr lang="en-US" sz="2400" dirty="0">
                     <a:latin typeface="Courier New" charset="0"/>
                     <a:ea typeface="Courier New" charset="0"/>
                     <a:cs typeface="Courier New" charset="0"/>
@@ -19163,7 +19163,7 @@
                   </a:spcAft>
                 </a:pPr>
                 <a:r>
-                  <a:rPr lang="en-US" b="1" dirty="0"/>
+                  <a:rPr lang="en-US" sz="2400" b="1" dirty="0"/>
                   <a:t>Uniform distribution</a:t>
                 </a:r>
               </a:p>
@@ -19175,18 +19175,18 @@
                   <a:buNone/>
                 </a:pPr>
                 <a:r>
-                  <a:rPr lang="en-US" dirty="0"/>
+                  <a:rPr lang="en-US" sz="2400" dirty="0"/>
                   <a:t>	In R: </a:t>
                 </a:r>
                 <a:r>
-                  <a:rPr lang="en-US" dirty="0" err="1">
+                  <a:rPr lang="en-US" sz="2400" dirty="0" err="1">
                     <a:latin typeface="Courier New" charset="0"/>
                     <a:cs typeface="Courier New" charset="0"/>
                   </a:rPr>
                   <a:t>r</a:t>
                 </a:r>
                 <a:r>
-                  <a:rPr lang="en-US" dirty="0" err="1">
+                  <a:rPr lang="en-US" sz="2400" dirty="0" err="1">
                     <a:latin typeface="Courier New" charset="0"/>
                     <a:ea typeface="Courier New" charset="0"/>
                     <a:cs typeface="Courier New" charset="0"/>
@@ -19194,7 +19194,7 @@
                   <a:t>unif</a:t>
                 </a:r>
                 <a:r>
-                  <a:rPr lang="en-US" dirty="0">
+                  <a:rPr lang="en-US" sz="2400" dirty="0">
                     <a:latin typeface="Courier New" charset="0"/>
                     <a:ea typeface="Courier New" charset="0"/>
                     <a:cs typeface="Courier New" charset="0"/>
@@ -19202,7 +19202,7 @@
                   <a:t>(n=</a:t>
                 </a:r>
                 <a:r>
-                  <a:rPr lang="en-US" dirty="0">
+                  <a:rPr lang="en-US" sz="2400" dirty="0">
                     <a:ea typeface="Courier New" charset="0"/>
                     <a:cs typeface="Courier New" charset="0"/>
                   </a:rPr>
@@ -19213,7 +19213,7 @@
                     <m:sSub>
                       <m:sSubPr>
                         <m:ctrlPr>
-                          <a:rPr lang="en-US" i="1">
+                          <a:rPr lang="en-US" sz="2400" i="1">
                             <a:latin typeface="Cambria Math" panose="02040503050406030204" pitchFamily="18" charset="0"/>
                             <a:ea typeface="Courier New" charset="0"/>
                             <a:cs typeface="Courier New" charset="0"/>
@@ -19222,7 +19222,7 @@
                       </m:sSubPr>
                       <m:e>
                         <m:r>
-                          <a:rPr lang="es-ES" i="1">
+                          <a:rPr lang="es-ES" sz="2400" i="1">
                             <a:latin typeface="Cambria Math" panose="02040503050406030204" pitchFamily="18" charset="0"/>
                             <a:ea typeface="Courier New" charset="0"/>
                             <a:cs typeface="Courier New" charset="0"/>
@@ -19232,7 +19232,7 @@
                       </m:e>
                       <m:sub>
                         <m:r>
-                          <a:rPr lang="es-ES" i="1">
+                          <a:rPr lang="es-ES" sz="2400" i="1">
                             <a:latin typeface="Cambria Math" panose="02040503050406030204" pitchFamily="18" charset="0"/>
                             <a:ea typeface="Courier New" charset="0"/>
                             <a:cs typeface="Courier New" charset="0"/>
@@ -19244,7 +19244,7 @@
                   </m:oMath>
                 </a14:m>
                 <a:r>
-                  <a:rPr lang="en-US" dirty="0">
+                  <a:rPr lang="en-US" sz="2400" dirty="0">
                     <a:latin typeface="Courier New" charset="0"/>
                     <a:ea typeface="Courier New" charset="0"/>
                     <a:cs typeface="Courier New" charset="0"/>
@@ -19252,13 +19252,13 @@
                   <a:t>, min=</a:t>
                 </a:r>
                 <a:r>
-                  <a:rPr lang="en-US" dirty="0"/>
+                  <a:rPr lang="en-US" sz="2400" dirty="0"/>
                   <a:t> </a:t>
                 </a:r>
                 <a14:m>
                   <m:oMath xmlns:m="http://schemas.openxmlformats.org/officeDocument/2006/math">
                     <m:r>
-                      <a:rPr lang="es-ES" b="0" i="1" smtClean="0">
+                      <a:rPr lang="es-ES" sz="2400" b="0" i="1" smtClean="0">
                         <a:latin typeface="Cambria Math" panose="02040503050406030204" pitchFamily="18" charset="0"/>
                       </a:rPr>
                       <m:t>𝑙𝑏</m:t>
@@ -19266,7 +19266,7 @@
                   </m:oMath>
                 </a14:m>
                 <a:r>
-                  <a:rPr lang="en-US" dirty="0">
+                  <a:rPr lang="en-US" sz="2400" dirty="0">
                     <a:latin typeface="Courier New" charset="0"/>
                     <a:ea typeface="Courier New" charset="0"/>
                     <a:cs typeface="Courier New" charset="0"/>
@@ -19276,7 +19276,7 @@
                 <a14:m>
                   <m:oMath xmlns:m="http://schemas.openxmlformats.org/officeDocument/2006/math">
                     <m:r>
-                      <a:rPr lang="es-ES" b="0" i="1" smtClean="0">
+                      <a:rPr lang="es-ES" sz="2400" b="0" i="1" smtClean="0">
                         <a:latin typeface="Cambria Math" panose="02040503050406030204" pitchFamily="18" charset="0"/>
                         <a:ea typeface="Courier New" charset="0"/>
                         <a:cs typeface="Courier New" charset="0"/>
@@ -19286,7 +19286,7 @@
                   </m:oMath>
                 </a14:m>
                 <a:r>
-                  <a:rPr lang="en-US" dirty="0">
+                  <a:rPr lang="en-US" sz="2400" dirty="0">
                     <a:latin typeface="Courier New" charset="0"/>
                     <a:ea typeface="Courier New" charset="0"/>
                     <a:cs typeface="Courier New" charset="0"/>
@@ -19301,7 +19301,7 @@
                   </a:spcAft>
                 </a:pPr>
                 <a:r>
-                  <a:rPr lang="en-US" b="1" dirty="0"/>
+                  <a:rPr lang="en-US" sz="2400" b="1" dirty="0"/>
                   <a:t>Beta distribution</a:t>
                 </a:r>
               </a:p>
@@ -19313,11 +19313,11 @@
                   <a:buNone/>
                 </a:pPr>
                 <a:r>
-                  <a:rPr lang="en-US" dirty="0"/>
+                  <a:rPr lang="en-US" sz="2400" dirty="0"/>
                   <a:t>	In R: </a:t>
                 </a:r>
                 <a:r>
-                  <a:rPr lang="en-US" dirty="0" err="1">
+                  <a:rPr lang="en-US" sz="2400" dirty="0" err="1">
                     <a:latin typeface="Courier New" charset="0"/>
                     <a:ea typeface="Courier New" charset="0"/>
                     <a:cs typeface="Courier New" charset="0"/>
@@ -19325,7 +19325,7 @@
                   <a:t>rbeta</a:t>
                 </a:r>
                 <a:r>
-                  <a:rPr lang="en-US" dirty="0">
+                  <a:rPr lang="en-US" sz="2400" dirty="0">
                     <a:latin typeface="Courier New" charset="0"/>
                     <a:ea typeface="Courier New" charset="0"/>
                     <a:cs typeface="Courier New" charset="0"/>
@@ -19333,7 +19333,7 @@
                   <a:t>(n=</a:t>
                 </a:r>
                 <a:r>
-                  <a:rPr lang="en-US" dirty="0">
+                  <a:rPr lang="en-US" sz="2400" dirty="0">
                     <a:ea typeface="Courier New" charset="0"/>
                     <a:cs typeface="Courier New" charset="0"/>
                   </a:rPr>
@@ -19344,7 +19344,7 @@
                     <m:sSub>
                       <m:sSubPr>
                         <m:ctrlPr>
-                          <a:rPr lang="en-US" i="1">
+                          <a:rPr lang="en-US" sz="2400" i="1">
                             <a:latin typeface="Cambria Math" panose="02040503050406030204" pitchFamily="18" charset="0"/>
                             <a:ea typeface="Courier New" charset="0"/>
                             <a:cs typeface="Courier New" charset="0"/>
@@ -19353,7 +19353,7 @@
                       </m:sSubPr>
                       <m:e>
                         <m:r>
-                          <a:rPr lang="es-ES" i="1">
+                          <a:rPr lang="es-ES" sz="2400" i="1">
                             <a:latin typeface="Cambria Math" panose="02040503050406030204" pitchFamily="18" charset="0"/>
                             <a:ea typeface="Courier New" charset="0"/>
                             <a:cs typeface="Courier New" charset="0"/>
@@ -19363,7 +19363,7 @@
                       </m:e>
                       <m:sub>
                         <m:r>
-                          <a:rPr lang="es-ES" i="1">
+                          <a:rPr lang="es-ES" sz="2400" i="1">
                             <a:latin typeface="Cambria Math" panose="02040503050406030204" pitchFamily="18" charset="0"/>
                             <a:ea typeface="Courier New" charset="0"/>
                             <a:cs typeface="Courier New" charset="0"/>
@@ -19375,7 +19375,7 @@
                   </m:oMath>
                 </a14:m>
                 <a:r>
-                  <a:rPr lang="en-US" dirty="0">
+                  <a:rPr lang="en-US" sz="2400" dirty="0">
                     <a:latin typeface="Courier New" charset="0"/>
                     <a:ea typeface="Courier New" charset="0"/>
                     <a:cs typeface="Courier New" charset="0"/>
@@ -19385,7 +19385,7 @@
                 <a14:m>
                   <m:oMath xmlns:m="http://schemas.openxmlformats.org/officeDocument/2006/math">
                     <m:r>
-                      <a:rPr lang="es-ES" b="0" i="1" smtClean="0">
+                      <a:rPr lang="es-ES" sz="2400" b="0" i="1" smtClean="0">
                         <a:latin typeface="Cambria Math" panose="02040503050406030204" pitchFamily="18" charset="0"/>
                         <a:ea typeface="Courier New" charset="0"/>
                         <a:cs typeface="Courier New" charset="0"/>
@@ -19395,7 +19395,7 @@
                   </m:oMath>
                 </a14:m>
                 <a:r>
-                  <a:rPr lang="en-US" dirty="0">
+                  <a:rPr lang="en-US" sz="2400" dirty="0">
                     <a:latin typeface="Courier New" charset="0"/>
                     <a:ea typeface="Courier New" charset="0"/>
                     <a:cs typeface="Courier New" charset="0"/>
@@ -19405,7 +19405,7 @@
                 <a14:m>
                   <m:oMath xmlns:m="http://schemas.openxmlformats.org/officeDocument/2006/math">
                     <m:r>
-                      <a:rPr lang="es-ES" b="0" i="1" smtClean="0">
+                      <a:rPr lang="es-ES" sz="2400" b="0" i="1" smtClean="0">
                         <a:latin typeface="Cambria Math" panose="02040503050406030204" pitchFamily="18" charset="0"/>
                         <a:ea typeface="Courier New" charset="0"/>
                         <a:cs typeface="Courier New" charset="0"/>
@@ -19415,14 +19415,14 @@
                   </m:oMath>
                 </a14:m>
                 <a:r>
-                  <a:rPr lang="en-US" dirty="0">
+                  <a:rPr lang="en-US" sz="2400" dirty="0">
                     <a:latin typeface="Courier New" charset="0"/>
                     <a:ea typeface="Courier New" charset="0"/>
                     <a:cs typeface="Courier New" charset="0"/>
                   </a:rPr>
                   <a:t>)</a:t>
                 </a:r>
-                <a:endParaRPr lang="en-US" dirty="0"/>
+                <a:endParaRPr lang="en-US" sz="2400" dirty="0"/>
               </a:p>
               <a:p>
                 <a:pPr>
@@ -19431,7 +19431,7 @@
                   </a:spcAft>
                 </a:pPr>
                 <a:r>
-                  <a:rPr lang="en-US" b="1" dirty="0"/>
+                  <a:rPr lang="en-US" sz="2400" b="1" dirty="0"/>
                   <a:t>Gamma distribution</a:t>
                 </a:r>
               </a:p>
@@ -19443,11 +19443,11 @@
                   <a:buNone/>
                 </a:pPr>
                 <a:r>
-                  <a:rPr lang="en-US" dirty="0"/>
+                  <a:rPr lang="en-US" sz="2400" dirty="0"/>
                   <a:t>	In R: </a:t>
                 </a:r>
                 <a:r>
-                  <a:rPr lang="en-US" dirty="0" err="1">
+                  <a:rPr lang="en-US" sz="2400" dirty="0" err="1">
                     <a:latin typeface="Courier New" charset="0"/>
                     <a:ea typeface="Courier New" charset="0"/>
                     <a:cs typeface="Courier New" charset="0"/>
@@ -19455,7 +19455,7 @@
                   <a:t>rgamma</a:t>
                 </a:r>
                 <a:r>
-                  <a:rPr lang="en-US" dirty="0">
+                  <a:rPr lang="en-US" sz="2400" dirty="0">
                     <a:latin typeface="Courier New" charset="0"/>
                     <a:ea typeface="Courier New" charset="0"/>
                     <a:cs typeface="Courier New" charset="0"/>
@@ -19463,7 +19463,7 @@
                   <a:t>(n=</a:t>
                 </a:r>
                 <a:r>
-                  <a:rPr lang="en-US" dirty="0">
+                  <a:rPr lang="en-US" sz="2400" dirty="0">
                     <a:ea typeface="Courier New" charset="0"/>
                     <a:cs typeface="Courier New" charset="0"/>
                   </a:rPr>
@@ -19474,7 +19474,7 @@
                     <m:sSub>
                       <m:sSubPr>
                         <m:ctrlPr>
-                          <a:rPr lang="en-US" i="1">
+                          <a:rPr lang="en-US" sz="2400" i="1">
                             <a:latin typeface="Cambria Math" panose="02040503050406030204" pitchFamily="18" charset="0"/>
                             <a:ea typeface="Courier New" charset="0"/>
                             <a:cs typeface="Courier New" charset="0"/>
@@ -19483,7 +19483,7 @@
                       </m:sSubPr>
                       <m:e>
                         <m:r>
-                          <a:rPr lang="es-ES" i="1">
+                          <a:rPr lang="es-ES" sz="2400" i="1">
                             <a:latin typeface="Cambria Math" panose="02040503050406030204" pitchFamily="18" charset="0"/>
                             <a:ea typeface="Courier New" charset="0"/>
                             <a:cs typeface="Courier New" charset="0"/>
@@ -19493,7 +19493,7 @@
                       </m:e>
                       <m:sub>
                         <m:r>
-                          <a:rPr lang="es-ES" i="1">
+                          <a:rPr lang="es-ES" sz="2400" i="1">
                             <a:latin typeface="Cambria Math" panose="02040503050406030204" pitchFamily="18" charset="0"/>
                             <a:ea typeface="Courier New" charset="0"/>
                             <a:cs typeface="Courier New" charset="0"/>
@@ -19505,7 +19505,7 @@
                   </m:oMath>
                 </a14:m>
                 <a:r>
-                  <a:rPr lang="en-US" dirty="0">
+                  <a:rPr lang="en-US" sz="2400" dirty="0">
                     <a:latin typeface="Courier New" charset="0"/>
                     <a:ea typeface="Courier New" charset="0"/>
                     <a:cs typeface="Courier New" charset="0"/>
@@ -19515,7 +19515,7 @@
                 <a14:m>
                   <m:oMath xmlns:m="http://schemas.openxmlformats.org/officeDocument/2006/math">
                     <m:r>
-                      <a:rPr lang="es-ES" i="1">
+                      <a:rPr lang="es-ES" sz="2400" i="1">
                         <a:latin typeface="Cambria Math" panose="02040503050406030204" pitchFamily="18" charset="0"/>
                         <a:ea typeface="Courier New" charset="0"/>
                         <a:cs typeface="Courier New" charset="0"/>
@@ -19525,7 +19525,7 @@
                   </m:oMath>
                 </a14:m>
                 <a:r>
-                  <a:rPr lang="en-US" dirty="0">
+                  <a:rPr lang="en-US" sz="2400" dirty="0">
                     <a:latin typeface="Courier New" charset="0"/>
                     <a:ea typeface="Courier New" charset="0"/>
                     <a:cs typeface="Courier New" charset="0"/>
@@ -19535,7 +19535,7 @@
                 <a14:m>
                   <m:oMath xmlns:m="http://schemas.openxmlformats.org/officeDocument/2006/math">
                     <m:r>
-                      <a:rPr lang="es-ES" i="1">
+                      <a:rPr lang="es-ES" sz="2400" i="1">
                         <a:latin typeface="Cambria Math" panose="02040503050406030204" pitchFamily="18" charset="0"/>
                         <a:ea typeface="Courier New" charset="0"/>
                         <a:cs typeface="Courier New" charset="0"/>
@@ -19545,19 +19545,19 @@
                   </m:oMath>
                 </a14:m>
                 <a:r>
-                  <a:rPr lang="en-US" dirty="0">
+                  <a:rPr lang="en-US" sz="2400" dirty="0">
                     <a:latin typeface="Courier New" charset="0"/>
                     <a:ea typeface="Courier New" charset="0"/>
                     <a:cs typeface="Courier New" charset="0"/>
                   </a:rPr>
                   <a:t>)</a:t>
                 </a:r>
-                <a:endParaRPr lang="en-US" dirty="0"/>
+                <a:endParaRPr lang="en-US" sz="2400" dirty="0"/>
               </a:p>
             </p:txBody>
           </p:sp>
         </mc:Choice>
-        <mc:Fallback xmlns="">
+        <mc:Fallback>
           <p:sp>
             <p:nvSpPr>
               <p:cNvPr id="3" name="Content Placeholder 2"/>
@@ -19576,7 +19576,7 @@
               <a:blipFill>
                 <a:blip r:embed="rId3"/>
                 <a:stretch>
-                  <a:fillRect t="-796"/>
+                  <a:fillRect t="-1061"/>
                 </a:stretch>
               </a:blipFill>
             </p:spPr>
@@ -19690,11 +19690,11 @@
               </a:spcAft>
             </a:pPr>
             <a:r>
-              <a:rPr lang="en-US" b="1" dirty="0"/>
+              <a:rPr lang="en-US" sz="2400" b="1" dirty="0"/>
               <a:t>Pros: </a:t>
             </a:r>
             <a:r>
-              <a:rPr lang="en-US" dirty="0"/>
+              <a:rPr lang="en-US" sz="2400" dirty="0"/>
               <a:t>We obtain distributions of parameters rather than only point estimates </a:t>
             </a:r>
           </a:p>
@@ -19708,19 +19708,19 @@
               </a:spcAft>
             </a:pPr>
             <a:r>
-              <a:rPr lang="en-US" b="1" dirty="0"/>
+              <a:rPr lang="en-US" sz="2400" b="1" dirty="0"/>
               <a:t>Cons: </a:t>
             </a:r>
             <a:r>
-              <a:rPr lang="en-US" dirty="0"/>
+              <a:rPr lang="en-US" sz="2400" dirty="0"/>
               <a:t>“Harder” to implement than other methods? </a:t>
             </a:r>
             <a:r>
-              <a:rPr lang="en-US" dirty="0" err="1"/>
+              <a:rPr lang="en-US" sz="2400" dirty="0" err="1"/>
               <a:t>Mmm</a:t>
             </a:r>
             <a:r>
-              <a:rPr lang="en-US" dirty="0"/>
+              <a:rPr lang="en-US" sz="2400" dirty="0"/>
               <a:t> not really! </a:t>
             </a:r>
           </a:p>
